--- a/FlashTalk.pptx
+++ b/FlashTalk.pptx
@@ -6,30 +6,32 @@
     <p:sldMasterId id="2147483699" r:id="rId2"/>
   </p:sldMasterIdLst>
   <p:notesMasterIdLst>
-    <p:notesMasterId r:id="rId21"/>
+    <p:notesMasterId r:id="rId23"/>
   </p:notesMasterIdLst>
   <p:handoutMasterIdLst>
-    <p:handoutMasterId r:id="rId22"/>
+    <p:handoutMasterId r:id="rId24"/>
   </p:handoutMasterIdLst>
   <p:sldIdLst>
     <p:sldId id="304" r:id="rId3"/>
     <p:sldId id="305" r:id="rId4"/>
     <p:sldId id="310" r:id="rId5"/>
-    <p:sldId id="316" r:id="rId6"/>
+    <p:sldId id="330" r:id="rId6"/>
     <p:sldId id="314" r:id="rId7"/>
-    <p:sldId id="318" r:id="rId8"/>
-    <p:sldId id="327" r:id="rId9"/>
-    <p:sldId id="319" r:id="rId10"/>
-    <p:sldId id="321" r:id="rId11"/>
-    <p:sldId id="324" r:id="rId12"/>
-    <p:sldId id="323" r:id="rId13"/>
-    <p:sldId id="322" r:id="rId14"/>
-    <p:sldId id="325" r:id="rId15"/>
-    <p:sldId id="326" r:id="rId16"/>
-    <p:sldId id="320" r:id="rId17"/>
-    <p:sldId id="315" r:id="rId18"/>
-    <p:sldId id="328" r:id="rId19"/>
-    <p:sldId id="329" r:id="rId20"/>
+    <p:sldId id="332" r:id="rId8"/>
+    <p:sldId id="318" r:id="rId9"/>
+    <p:sldId id="333" r:id="rId10"/>
+    <p:sldId id="319" r:id="rId11"/>
+    <p:sldId id="321" r:id="rId12"/>
+    <p:sldId id="324" r:id="rId13"/>
+    <p:sldId id="323" r:id="rId14"/>
+    <p:sldId id="322" r:id="rId15"/>
+    <p:sldId id="325" r:id="rId16"/>
+    <p:sldId id="326" r:id="rId17"/>
+    <p:sldId id="331" r:id="rId18"/>
+    <p:sldId id="320" r:id="rId19"/>
+    <p:sldId id="315" r:id="rId20"/>
+    <p:sldId id="328" r:id="rId21"/>
+    <p:sldId id="329" r:id="rId22"/>
   </p:sldIdLst>
   <p:sldSz cx="9144000" cy="5143500" type="screen16x9"/>
   <p:notesSz cx="6858000" cy="9144000"/>
@@ -164,6 +166,202 @@
     </p:ext>
   </p:extLst>
 </p:presentation>
+</file>
+
+<file path=ppt/revisionInfo.xml><?xml version="1.0" encoding="utf-8"?>
+<p1510:revInfo xmlns:a="http://schemas.openxmlformats.org/drawingml/2006/main" xmlns:r="http://schemas.openxmlformats.org/officeDocument/2006/relationships" xmlns:p1510="http://schemas.microsoft.com/office/powerpoint/2015/10/main">
+  <p1510:revLst>
+    <p1510:client id="{25C67C93-CF4C-4DAB-8F29-046A1F834880}" v="11" dt="2019-06-24T01:31:38.130"/>
+  </p1510:revLst>
+</p1510:revInfo>
+</file>
+
+<file path=ppt/changesInfos/changesInfo1.xml><?xml version="1.0" encoding="utf-8"?>
+<pc:chgInfo xmlns:a="http://schemas.openxmlformats.org/drawingml/2006/main" xmlns:r="http://schemas.openxmlformats.org/officeDocument/2006/relationships" xmlns:ac="http://schemas.microsoft.com/office/drawing/2013/main/command" xmlns:pc="http://schemas.microsoft.com/office/powerpoint/2013/main/command">
+  <pc:docChgLst>
+    <pc:chgData name="Austin van Loon" userId="1c89adfc-06ff-4a27-ac27-838b4a369d30" providerId="ADAL" clId="{25C67C93-CF4C-4DAB-8F29-046A1F834880}"/>
+    <pc:docChg chg="custSel addSld delSld modSld sldOrd">
+      <pc:chgData name="Austin van Loon" userId="1c89adfc-06ff-4a27-ac27-838b4a369d30" providerId="ADAL" clId="{25C67C93-CF4C-4DAB-8F29-046A1F834880}" dt="2019-06-24T01:35:22.005" v="32" actId="20577"/>
+      <pc:docMkLst>
+        <pc:docMk/>
+      </pc:docMkLst>
+      <pc:sldChg chg="addSp delSp">
+        <pc:chgData name="Austin van Loon" userId="1c89adfc-06ff-4a27-ac27-838b4a369d30" providerId="ADAL" clId="{25C67C93-CF4C-4DAB-8F29-046A1F834880}" dt="2019-06-24T01:31:43.331" v="24" actId="478"/>
+        <pc:sldMkLst>
+          <pc:docMk/>
+          <pc:sldMk cId="0" sldId="304"/>
+        </pc:sldMkLst>
+        <pc:spChg chg="add">
+          <ac:chgData name="Austin van Loon" userId="1c89adfc-06ff-4a27-ac27-838b4a369d30" providerId="ADAL" clId="{25C67C93-CF4C-4DAB-8F29-046A1F834880}" dt="2019-06-24T01:31:38.130" v="21"/>
+          <ac:spMkLst>
+            <pc:docMk/>
+            <pc:sldMk cId="0" sldId="304"/>
+            <ac:spMk id="8" creationId="{B22501F5-0C96-429B-8DCF-96CB501CD6D6}"/>
+          </ac:spMkLst>
+        </pc:spChg>
+        <pc:spChg chg="add">
+          <ac:chgData name="Austin van Loon" userId="1c89adfc-06ff-4a27-ac27-838b4a369d30" providerId="ADAL" clId="{25C67C93-CF4C-4DAB-8F29-046A1F834880}" dt="2019-06-24T01:31:38.130" v="21"/>
+          <ac:spMkLst>
+            <pc:docMk/>
+            <pc:sldMk cId="0" sldId="304"/>
+            <ac:spMk id="9" creationId="{8CFDC670-ADA9-4866-AC65-5C48D272C263}"/>
+          </ac:spMkLst>
+        </pc:spChg>
+        <pc:spChg chg="del">
+          <ac:chgData name="Austin van Loon" userId="1c89adfc-06ff-4a27-ac27-838b4a369d30" providerId="ADAL" clId="{25C67C93-CF4C-4DAB-8F29-046A1F834880}" dt="2019-06-24T01:31:41.820" v="23" actId="478"/>
+          <ac:spMkLst>
+            <pc:docMk/>
+            <pc:sldMk cId="0" sldId="304"/>
+            <ac:spMk id="10" creationId="{F08902E2-04D0-4E12-A839-19BB7AC1C1C5}"/>
+          </ac:spMkLst>
+        </pc:spChg>
+        <pc:spChg chg="del">
+          <ac:chgData name="Austin van Loon" userId="1c89adfc-06ff-4a27-ac27-838b4a369d30" providerId="ADAL" clId="{25C67C93-CF4C-4DAB-8F29-046A1F834880}" dt="2019-06-24T01:31:43.331" v="24" actId="478"/>
+          <ac:spMkLst>
+            <pc:docMk/>
+            <pc:sldMk cId="0" sldId="304"/>
+            <ac:spMk id="11" creationId="{D89050A1-6DE9-4216-9AD5-AAFC94524D9E}"/>
+          </ac:spMkLst>
+        </pc:spChg>
+        <pc:spChg chg="del">
+          <ac:chgData name="Austin van Loon" userId="1c89adfc-06ff-4a27-ac27-838b4a369d30" providerId="ADAL" clId="{25C67C93-CF4C-4DAB-8F29-046A1F834880}" dt="2019-06-24T01:31:40.471" v="22" actId="478"/>
+          <ac:spMkLst>
+            <pc:docMk/>
+            <pc:sldMk cId="0" sldId="304"/>
+            <ac:spMk id="12" creationId="{4969F364-13E5-4531-9C69-E9A943E680EE}"/>
+          </ac:spMkLst>
+        </pc:spChg>
+        <pc:spChg chg="add">
+          <ac:chgData name="Austin van Loon" userId="1c89adfc-06ff-4a27-ac27-838b4a369d30" providerId="ADAL" clId="{25C67C93-CF4C-4DAB-8F29-046A1F834880}" dt="2019-06-24T01:31:38.130" v="21"/>
+          <ac:spMkLst>
+            <pc:docMk/>
+            <pc:sldMk cId="0" sldId="304"/>
+            <ac:spMk id="13" creationId="{DB4F4351-AD10-4A50-A05F-E65785E43B34}"/>
+          </ac:spMkLst>
+        </pc:spChg>
+      </pc:sldChg>
+      <pc:sldChg chg="modSp">
+        <pc:chgData name="Austin van Loon" userId="1c89adfc-06ff-4a27-ac27-838b4a369d30" providerId="ADAL" clId="{25C67C93-CF4C-4DAB-8F29-046A1F834880}" dt="2019-06-24T01:29:18.063" v="11" actId="20577"/>
+        <pc:sldMkLst>
+          <pc:docMk/>
+          <pc:sldMk cId="0" sldId="310"/>
+        </pc:sldMkLst>
+        <pc:spChg chg="mod">
+          <ac:chgData name="Austin van Loon" userId="1c89adfc-06ff-4a27-ac27-838b4a369d30" providerId="ADAL" clId="{25C67C93-CF4C-4DAB-8F29-046A1F834880}" dt="2019-06-24T01:29:18.063" v="11" actId="20577"/>
+          <ac:spMkLst>
+            <pc:docMk/>
+            <pc:sldMk cId="0" sldId="310"/>
+            <ac:spMk id="5" creationId="{DAD015CE-F24D-493E-BF31-88632D698F84}"/>
+          </ac:spMkLst>
+        </pc:spChg>
+      </pc:sldChg>
+      <pc:sldChg chg="modSp">
+        <pc:chgData name="Austin van Loon" userId="1c89adfc-06ff-4a27-ac27-838b4a369d30" providerId="ADAL" clId="{25C67C93-CF4C-4DAB-8F29-046A1F834880}" dt="2019-06-24T01:33:11.357" v="25" actId="20577"/>
+        <pc:sldMkLst>
+          <pc:docMk/>
+          <pc:sldMk cId="1418855731" sldId="314"/>
+        </pc:sldMkLst>
+        <pc:spChg chg="mod">
+          <ac:chgData name="Austin van Loon" userId="1c89adfc-06ff-4a27-ac27-838b4a369d30" providerId="ADAL" clId="{25C67C93-CF4C-4DAB-8F29-046A1F834880}" dt="2019-06-24T01:33:11.357" v="25" actId="20577"/>
+          <ac:spMkLst>
+            <pc:docMk/>
+            <pc:sldMk cId="1418855731" sldId="314"/>
+            <ac:spMk id="5" creationId="{DAD015CE-F24D-493E-BF31-88632D698F84}"/>
+          </ac:spMkLst>
+        </pc:spChg>
+      </pc:sldChg>
+      <pc:sldChg chg="modSp">
+        <pc:chgData name="Austin van Loon" userId="1c89adfc-06ff-4a27-ac27-838b4a369d30" providerId="ADAL" clId="{25C67C93-CF4C-4DAB-8F29-046A1F834880}" dt="2019-06-24T01:35:22.005" v="32" actId="20577"/>
+        <pc:sldMkLst>
+          <pc:docMk/>
+          <pc:sldMk cId="2585428328" sldId="315"/>
+        </pc:sldMkLst>
+        <pc:spChg chg="mod">
+          <ac:chgData name="Austin van Loon" userId="1c89adfc-06ff-4a27-ac27-838b4a369d30" providerId="ADAL" clId="{25C67C93-CF4C-4DAB-8F29-046A1F834880}" dt="2019-06-24T01:35:22.005" v="32" actId="20577"/>
+          <ac:spMkLst>
+            <pc:docMk/>
+            <pc:sldMk cId="2585428328" sldId="315"/>
+            <ac:spMk id="5" creationId="{DAD015CE-F24D-493E-BF31-88632D698F84}"/>
+          </ac:spMkLst>
+        </pc:spChg>
+      </pc:sldChg>
+      <pc:sldChg chg="del">
+        <pc:chgData name="Austin van Loon" userId="1c89adfc-06ff-4a27-ac27-838b4a369d30" providerId="ADAL" clId="{25C67C93-CF4C-4DAB-8F29-046A1F834880}" dt="2019-06-24T01:26:48.986" v="1" actId="2696"/>
+        <pc:sldMkLst>
+          <pc:docMk/>
+          <pc:sldMk cId="2205212369" sldId="316"/>
+        </pc:sldMkLst>
+      </pc:sldChg>
+      <pc:sldChg chg="del">
+        <pc:chgData name="Austin van Loon" userId="1c89adfc-06ff-4a27-ac27-838b4a369d30" providerId="ADAL" clId="{25C67C93-CF4C-4DAB-8F29-046A1F834880}" dt="2019-06-24T01:27:35.030" v="5" actId="2696"/>
+        <pc:sldMkLst>
+          <pc:docMk/>
+          <pc:sldMk cId="57053443" sldId="327"/>
+        </pc:sldMkLst>
+      </pc:sldChg>
+      <pc:sldChg chg="modSp add">
+        <pc:chgData name="Austin van Loon" userId="1c89adfc-06ff-4a27-ac27-838b4a369d30" providerId="ADAL" clId="{25C67C93-CF4C-4DAB-8F29-046A1F834880}" dt="2019-06-24T01:28:59.442" v="10" actId="20577"/>
+        <pc:sldMkLst>
+          <pc:docMk/>
+          <pc:sldMk cId="2224639594" sldId="330"/>
+        </pc:sldMkLst>
+        <pc:spChg chg="mod">
+          <ac:chgData name="Austin van Loon" userId="1c89adfc-06ff-4a27-ac27-838b4a369d30" providerId="ADAL" clId="{25C67C93-CF4C-4DAB-8F29-046A1F834880}" dt="2019-06-24T01:28:59.442" v="10" actId="20577"/>
+          <ac:spMkLst>
+            <pc:docMk/>
+            <pc:sldMk cId="2224639594" sldId="330"/>
+            <ac:spMk id="5" creationId="{DAD015CE-F24D-493E-BF31-88632D698F84}"/>
+          </ac:spMkLst>
+        </pc:spChg>
+      </pc:sldChg>
+      <pc:sldChg chg="modSp add ord">
+        <pc:chgData name="Austin van Loon" userId="1c89adfc-06ff-4a27-ac27-838b4a369d30" providerId="ADAL" clId="{25C67C93-CF4C-4DAB-8F29-046A1F834880}" dt="2019-06-24T01:28:40.681" v="9" actId="20577"/>
+        <pc:sldMkLst>
+          <pc:docMk/>
+          <pc:sldMk cId="187246005" sldId="331"/>
+        </pc:sldMkLst>
+        <pc:spChg chg="mod">
+          <ac:chgData name="Austin van Loon" userId="1c89adfc-06ff-4a27-ac27-838b4a369d30" providerId="ADAL" clId="{25C67C93-CF4C-4DAB-8F29-046A1F834880}" dt="2019-06-24T01:28:40.681" v="9" actId="20577"/>
+          <ac:spMkLst>
+            <pc:docMk/>
+            <pc:sldMk cId="187246005" sldId="331"/>
+            <ac:spMk id="5" creationId="{DAD015CE-F24D-493E-BF31-88632D698F84}"/>
+          </ac:spMkLst>
+        </pc:spChg>
+      </pc:sldChg>
+      <pc:sldChg chg="modSp add ord">
+        <pc:chgData name="Austin van Loon" userId="1c89adfc-06ff-4a27-ac27-838b4a369d30" providerId="ADAL" clId="{25C67C93-CF4C-4DAB-8F29-046A1F834880}" dt="2019-06-24T01:30:16.640" v="16"/>
+        <pc:sldMkLst>
+          <pc:docMk/>
+          <pc:sldMk cId="2912270455" sldId="332"/>
+        </pc:sldMkLst>
+        <pc:spChg chg="mod">
+          <ac:chgData name="Austin van Loon" userId="1c89adfc-06ff-4a27-ac27-838b4a369d30" providerId="ADAL" clId="{25C67C93-CF4C-4DAB-8F29-046A1F834880}" dt="2019-06-24T01:29:51.281" v="15" actId="113"/>
+          <ac:spMkLst>
+            <pc:docMk/>
+            <pc:sldMk cId="2912270455" sldId="332"/>
+            <ac:spMk id="5" creationId="{DAD015CE-F24D-493E-BF31-88632D698F84}"/>
+          </ac:spMkLst>
+        </pc:spChg>
+      </pc:sldChg>
+      <pc:sldChg chg="modSp add ord">
+        <pc:chgData name="Austin van Loon" userId="1c89adfc-06ff-4a27-ac27-838b4a369d30" providerId="ADAL" clId="{25C67C93-CF4C-4DAB-8F29-046A1F834880}" dt="2019-06-24T01:30:30.453" v="20" actId="113"/>
+        <pc:sldMkLst>
+          <pc:docMk/>
+          <pc:sldMk cId="2253703413" sldId="333"/>
+        </pc:sldMkLst>
+        <pc:spChg chg="mod">
+          <ac:chgData name="Austin van Loon" userId="1c89adfc-06ff-4a27-ac27-838b4a369d30" providerId="ADAL" clId="{25C67C93-CF4C-4DAB-8F29-046A1F834880}" dt="2019-06-24T01:30:30.453" v="20" actId="113"/>
+          <ac:spMkLst>
+            <pc:docMk/>
+            <pc:sldMk cId="2253703413" sldId="333"/>
+            <ac:spMk id="5" creationId="{DAD015CE-F24D-493E-BF31-88632D698F84}"/>
+          </ac:spMkLst>
+        </pc:spChg>
+      </pc:sldChg>
+    </pc:docChg>
+  </pc:docChgLst>
+</pc:chgInfo>
 </file>
 
 <file path=ppt/handoutMasters/handoutMaster1.xml><?xml version="1.0" encoding="utf-8"?>
@@ -973,14 +1171,14 @@
           </a:ln>
           <a:extLst>
             <a:ext uri="{909E8E84-426E-40dd-AFC4-6F175D3DCCD1}">
-              <a14:hiddenFill xmlns="" xmlns:a14="http://schemas.microsoft.com/office/drawing/2010/main">
+              <a14:hiddenFill xmlns:a14="http://schemas.microsoft.com/office/drawing/2010/main" xmlns="">
                 <a:solidFill>
                   <a:srgbClr val="FFFFFF"/>
                 </a:solidFill>
               </a14:hiddenFill>
             </a:ext>
             <a:ext uri="{91240B29-F687-4f45-9708-019B960494DF}">
-              <a14:hiddenLine xmlns="" xmlns:a14="http://schemas.microsoft.com/office/drawing/2010/main" w="9525">
+              <a14:hiddenLine xmlns:a14="http://schemas.microsoft.com/office/drawing/2010/main" xmlns="" w="9525">
                 <a:solidFill>
                   <a:srgbClr val="000000"/>
                 </a:solidFill>
@@ -1354,14 +1552,14 @@
           </a:ln>
           <a:extLst>
             <a:ext uri="{909E8E84-426E-40dd-AFC4-6F175D3DCCD1}">
-              <a14:hiddenFill xmlns="" xmlns:a14="http://schemas.microsoft.com/office/drawing/2010/main">
+              <a14:hiddenFill xmlns:a14="http://schemas.microsoft.com/office/drawing/2010/main" xmlns="">
                 <a:solidFill>
                   <a:srgbClr val="FFFFFF"/>
                 </a:solidFill>
               </a14:hiddenFill>
             </a:ext>
             <a:ext uri="{91240B29-F687-4f45-9708-019B960494DF}">
-              <a14:hiddenLine xmlns="" xmlns:a14="http://schemas.microsoft.com/office/drawing/2010/main" w="9525">
+              <a14:hiddenLine xmlns:a14="http://schemas.microsoft.com/office/drawing/2010/main" xmlns="" w="9525">
                 <a:solidFill>
                   <a:srgbClr val="000000"/>
                 </a:solidFill>
@@ -2927,14 +3125,14 @@
           </a:ln>
           <a:extLst>
             <a:ext uri="{909E8E84-426E-40dd-AFC4-6F175D3DCCD1}">
-              <a14:hiddenFill xmlns="" xmlns:a14="http://schemas.microsoft.com/office/drawing/2010/main">
+              <a14:hiddenFill xmlns:a14="http://schemas.microsoft.com/office/drawing/2010/main" xmlns="">
                 <a:solidFill>
                   <a:srgbClr val="FFFFFF"/>
                 </a:solidFill>
               </a14:hiddenFill>
             </a:ext>
             <a:ext uri="{91240B29-F687-4f45-9708-019B960494DF}">
-              <a14:hiddenLine xmlns="" xmlns:a14="http://schemas.microsoft.com/office/drawing/2010/main" w="9525">
+              <a14:hiddenLine xmlns:a14="http://schemas.microsoft.com/office/drawing/2010/main" xmlns="" w="9525">
                 <a:solidFill>
                   <a:srgbClr val="000000"/>
                 </a:solidFill>
@@ -4622,14 +4820,14 @@
           </a:ln>
           <a:extLst>
             <a:ext uri="{909E8E84-426E-40dd-AFC4-6F175D3DCCD1}">
-              <a14:hiddenFill xmlns="" xmlns:a14="http://schemas.microsoft.com/office/drawing/2010/main">
+              <a14:hiddenFill xmlns:a14="http://schemas.microsoft.com/office/drawing/2010/main" xmlns="">
                 <a:solidFill>
                   <a:srgbClr val="FFFFFF"/>
                 </a:solidFill>
               </a14:hiddenFill>
             </a:ext>
             <a:ext uri="{91240B29-F687-4f45-9708-019B960494DF}">
-              <a14:hiddenLine xmlns="" xmlns:a14="http://schemas.microsoft.com/office/drawing/2010/main" w="9525">
+              <a14:hiddenLine xmlns:a14="http://schemas.microsoft.com/office/drawing/2010/main" xmlns="" w="9525">
                 <a:solidFill>
                   <a:srgbClr val="000000"/>
                 </a:solidFill>
@@ -5192,14 +5390,14 @@
           </a:ln>
           <a:extLst>
             <a:ext uri="{909E8E84-426E-40dd-AFC4-6F175D3DCCD1}">
-              <a14:hiddenFill xmlns="" xmlns:a14="http://schemas.microsoft.com/office/drawing/2010/main">
+              <a14:hiddenFill xmlns:a14="http://schemas.microsoft.com/office/drawing/2010/main" xmlns="">
                 <a:solidFill>
                   <a:srgbClr val="FFFFFF"/>
                 </a:solidFill>
               </a14:hiddenFill>
             </a:ext>
             <a:ext uri="{91240B29-F687-4f45-9708-019B960494DF}">
-              <a14:hiddenLine xmlns="" xmlns:a14="http://schemas.microsoft.com/office/drawing/2010/main" w="9525">
+              <a14:hiddenLine xmlns:a14="http://schemas.microsoft.com/office/drawing/2010/main" xmlns="" w="9525">
                 <a:solidFill>
                   <a:srgbClr val="000000"/>
                 </a:solidFill>
@@ -5982,14 +6180,14 @@
           </a:ln>
           <a:extLst>
             <a:ext uri="{909E8E84-426E-40dd-AFC4-6F175D3DCCD1}">
-              <a14:hiddenFill xmlns="" xmlns:a14="http://schemas.microsoft.com/office/drawing/2010/main">
+              <a14:hiddenFill xmlns:a14="http://schemas.microsoft.com/office/drawing/2010/main" xmlns="">
                 <a:solidFill>
                   <a:srgbClr val="FFFFFF"/>
                 </a:solidFill>
               </a14:hiddenFill>
             </a:ext>
             <a:ext uri="{91240B29-F687-4f45-9708-019B960494DF}">
-              <a14:hiddenLine xmlns="" xmlns:a14="http://schemas.microsoft.com/office/drawing/2010/main" w="9525">
+              <a14:hiddenLine xmlns:a14="http://schemas.microsoft.com/office/drawing/2010/main" xmlns="" w="9525">
                 <a:solidFill>
                   <a:srgbClr val="000000"/>
                 </a:solidFill>
@@ -6593,10 +6791,10 @@
       </p:sp>
       <p:sp>
         <p:nvSpPr>
-          <p:cNvPr id="10" name="Rectangle 9">
+          <p:cNvPr id="8" name="Rectangle 7">
             <a:extLst>
               <a:ext uri="{FF2B5EF4-FFF2-40B4-BE49-F238E27FC236}">
-                <a16:creationId xmlns:a16="http://schemas.microsoft.com/office/drawing/2014/main" id="{F08902E2-04D0-4E12-A839-19BB7AC1C1C5}"/>
+                <a16:creationId xmlns:a16="http://schemas.microsoft.com/office/drawing/2014/main" id="{B22501F5-0C96-429B-8DCF-96CB501CD6D6}"/>
               </a:ext>
             </a:extLst>
           </p:cNvPr>
@@ -6605,8 +6803,8 @@
         </p:nvSpPr>
         <p:spPr>
           <a:xfrm>
-            <a:off x="3704253" y="520169"/>
-            <a:ext cx="2511801" cy="895739"/>
+            <a:off x="2234840" y="4390897"/>
+            <a:ext cx="1688363" cy="602091"/>
           </a:xfrm>
           <a:prstGeom prst="rect">
             <a:avLst/>
@@ -6643,10 +6841,10 @@
       </p:sp>
       <p:sp>
         <p:nvSpPr>
-          <p:cNvPr id="11" name="Rectangle 10">
+          <p:cNvPr id="9" name="Rectangle 8">
             <a:extLst>
               <a:ext uri="{FF2B5EF4-FFF2-40B4-BE49-F238E27FC236}">
-                <a16:creationId xmlns:a16="http://schemas.microsoft.com/office/drawing/2014/main" id="{D89050A1-6DE9-4216-9AD5-AAFC94524D9E}"/>
+                <a16:creationId xmlns:a16="http://schemas.microsoft.com/office/drawing/2014/main" id="{8CFDC670-ADA9-4866-AC65-5C48D272C263}"/>
               </a:ext>
             </a:extLst>
           </p:cNvPr>
@@ -6655,8 +6853,8 @@
         </p:nvSpPr>
         <p:spPr>
           <a:xfrm>
-            <a:off x="6712443" y="562750"/>
-            <a:ext cx="2034073" cy="853158"/>
+            <a:off x="4054971" y="4390897"/>
+            <a:ext cx="1556235" cy="652737"/>
           </a:xfrm>
           <a:prstGeom prst="rect">
             <a:avLst/>
@@ -6693,10 +6891,10 @@
       </p:sp>
       <p:sp>
         <p:nvSpPr>
-          <p:cNvPr id="12" name="Rectangle 11">
+          <p:cNvPr id="13" name="Rectangle 12">
             <a:extLst>
               <a:ext uri="{FF2B5EF4-FFF2-40B4-BE49-F238E27FC236}">
-                <a16:creationId xmlns:a16="http://schemas.microsoft.com/office/drawing/2014/main" id="{4969F364-13E5-4531-9C69-E9A943E680EE}"/>
+                <a16:creationId xmlns:a16="http://schemas.microsoft.com/office/drawing/2014/main" id="{DB4F4351-AD10-4A50-A05F-E65785E43B34}"/>
               </a:ext>
             </a:extLst>
           </p:cNvPr>
@@ -6705,8 +6903,8 @@
         </p:nvSpPr>
         <p:spPr>
           <a:xfrm>
-            <a:off x="397484" y="501002"/>
-            <a:ext cx="2810381" cy="966652"/>
+            <a:off x="116131" y="4337794"/>
+            <a:ext cx="1994024" cy="685860"/>
           </a:xfrm>
           <a:prstGeom prst="rect">
             <a:avLst/>
@@ -6753,6 +6951,289 @@
 </file>
 
 <file path=ppt/slides/slide10.xml><?xml version="1.0" encoding="utf-8"?>
+<p:sld xmlns:a="http://schemas.openxmlformats.org/drawingml/2006/main" xmlns:r="http://schemas.openxmlformats.org/officeDocument/2006/relationships" xmlns:p="http://schemas.openxmlformats.org/presentationml/2006/main">
+  <p:cSld>
+    <p:spTree>
+      <p:nvGrpSpPr>
+        <p:cNvPr id="1" name=""/>
+        <p:cNvGrpSpPr/>
+        <p:nvPr/>
+      </p:nvGrpSpPr>
+      <p:grpSpPr>
+        <a:xfrm>
+          <a:off x="0" y="0"/>
+          <a:ext cx="0" cy="0"/>
+          <a:chOff x="0" y="0"/>
+          <a:chExt cx="0" cy="0"/>
+        </a:xfrm>
+      </p:grpSpPr>
+      <p:graphicFrame>
+        <p:nvGraphicFramePr>
+          <p:cNvPr id="6" name="Object 5">
+            <a:extLst>
+              <a:ext uri="{FF2B5EF4-FFF2-40B4-BE49-F238E27FC236}">
+                <a16:creationId xmlns:a16="http://schemas.microsoft.com/office/drawing/2014/main" id="{CB35EFFB-2E6E-4933-9045-AE5D37257508}"/>
+              </a:ext>
+            </a:extLst>
+          </p:cNvPr>
+          <p:cNvGraphicFramePr>
+            <a:graphicFrameLocks noChangeAspect="1"/>
+          </p:cNvGraphicFramePr>
+          <p:nvPr/>
+        </p:nvGraphicFramePr>
+        <p:xfrm>
+          <a:off x="1524000" y="539750"/>
+          <a:ext cx="6096000" cy="4064000"/>
+        </p:xfrm>
+        <a:graphic>
+          <a:graphicData uri="http://schemas.openxmlformats.org/presentationml/2006/ole">
+            <mc:AlternateContent xmlns:mc="http://schemas.openxmlformats.org/markup-compatibility/2006">
+              <mc:Choice xmlns:v="urn:schemas-microsoft-com:vml" Requires="v">
+                <p:oleObj spid="_x0000_s3074" name="Acrobat Document" r:id="rId3" imgW="0" imgH="0" progId="AcroExch.Document.DC">
+                  <p:embed/>
+                </p:oleObj>
+              </mc:Choice>
+              <mc:Fallback>
+                <p:oleObj name="Acrobat Document" r:id="rId3" imgW="0" imgH="0" progId="AcroExch.Document.DC">
+                  <p:embed/>
+                  <p:pic>
+                    <p:nvPicPr>
+                      <p:cNvPr id="6" name="Object 5">
+                        <a:extLst>
+                          <a:ext uri="{FF2B5EF4-FFF2-40B4-BE49-F238E27FC236}">
+                            <a16:creationId xmlns:a16="http://schemas.microsoft.com/office/drawing/2014/main" id="{CB35EFFB-2E6E-4933-9045-AE5D37257508}"/>
+                          </a:ext>
+                        </a:extLst>
+                      </p:cNvPr>
+                      <p:cNvPicPr/>
+                      <p:nvPr/>
+                    </p:nvPicPr>
+                    <p:blipFill/>
+                    <p:spPr>
+                      <a:xfrm>
+                        <a:off x="1524000" y="539750"/>
+                        <a:ext cx="6096000" cy="4064000"/>
+                      </a:xfrm>
+                      <a:prstGeom prst="rect">
+                        <a:avLst/>
+                      </a:prstGeom>
+                    </p:spPr>
+                  </p:pic>
+                </p:oleObj>
+              </mc:Fallback>
+            </mc:AlternateContent>
+          </a:graphicData>
+        </a:graphic>
+      </p:graphicFrame>
+      <p:pic>
+        <p:nvPicPr>
+          <p:cNvPr id="5" name="Picture 4" descr="A picture containing text, map&#10;&#10;Description automatically generated">
+            <a:extLst>
+              <a:ext uri="{FF2B5EF4-FFF2-40B4-BE49-F238E27FC236}">
+                <a16:creationId xmlns:a16="http://schemas.microsoft.com/office/drawing/2014/main" id="{86321406-3F80-49EC-BEF4-4EEB88574F23}"/>
+              </a:ext>
+            </a:extLst>
+          </p:cNvPr>
+          <p:cNvPicPr>
+            <a:picLocks noChangeAspect="1"/>
+          </p:cNvPicPr>
+          <p:nvPr/>
+        </p:nvPicPr>
+        <p:blipFill>
+          <a:blip r:embed="rId4"/>
+          <a:stretch>
+            <a:fillRect/>
+          </a:stretch>
+        </p:blipFill>
+        <p:spPr>
+          <a:xfrm>
+            <a:off x="2300287" y="309562"/>
+            <a:ext cx="4543425" cy="4524375"/>
+          </a:xfrm>
+          <a:prstGeom prst="rect">
+            <a:avLst/>
+          </a:prstGeom>
+        </p:spPr>
+      </p:pic>
+      <p:cxnSp>
+        <p:nvCxnSpPr>
+          <p:cNvPr id="9" name="Straight Arrow Connector 8">
+            <a:extLst>
+              <a:ext uri="{FF2B5EF4-FFF2-40B4-BE49-F238E27FC236}">
+                <a16:creationId xmlns:a16="http://schemas.microsoft.com/office/drawing/2014/main" id="{58723EE2-FB8A-41B6-AEDA-E091668CF29C}"/>
+              </a:ext>
+            </a:extLst>
+          </p:cNvPr>
+          <p:cNvCxnSpPr/>
+          <p:nvPr/>
+        </p:nvCxnSpPr>
+        <p:spPr>
+          <a:xfrm flipV="1">
+            <a:off x="3108960" y="2142309"/>
+            <a:ext cx="238864" cy="809897"/>
+          </a:xfrm>
+          <a:prstGeom prst="straightConnector1">
+            <a:avLst/>
+          </a:prstGeom>
+          <a:ln w="38100">
+            <a:tailEnd type="triangle"/>
+          </a:ln>
+        </p:spPr>
+        <p:style>
+          <a:lnRef idx="2">
+            <a:schemeClr val="dk1"/>
+          </a:lnRef>
+          <a:fillRef idx="0">
+            <a:schemeClr val="dk1"/>
+          </a:fillRef>
+          <a:effectRef idx="1">
+            <a:schemeClr val="dk1"/>
+          </a:effectRef>
+          <a:fontRef idx="minor">
+            <a:schemeClr val="tx1"/>
+          </a:fontRef>
+        </p:style>
+      </p:cxnSp>
+      <p:cxnSp>
+        <p:nvCxnSpPr>
+          <p:cNvPr id="10" name="Straight Arrow Connector 9">
+            <a:extLst>
+              <a:ext uri="{FF2B5EF4-FFF2-40B4-BE49-F238E27FC236}">
+                <a16:creationId xmlns:a16="http://schemas.microsoft.com/office/drawing/2014/main" id="{E9F4A1C9-FDF0-467B-A1BB-1ABD88B85F47}"/>
+              </a:ext>
+            </a:extLst>
+          </p:cNvPr>
+          <p:cNvCxnSpPr>
+            <a:cxnSpLocks/>
+          </p:cNvCxnSpPr>
+          <p:nvPr/>
+        </p:nvCxnSpPr>
+        <p:spPr>
+          <a:xfrm flipV="1">
+            <a:off x="5847806" y="2052735"/>
+            <a:ext cx="187234" cy="674915"/>
+          </a:xfrm>
+          <a:prstGeom prst="straightConnector1">
+            <a:avLst/>
+          </a:prstGeom>
+          <a:ln w="38100">
+            <a:tailEnd type="triangle"/>
+          </a:ln>
+        </p:spPr>
+        <p:style>
+          <a:lnRef idx="2">
+            <a:schemeClr val="dk1"/>
+          </a:lnRef>
+          <a:fillRef idx="0">
+            <a:schemeClr val="dk1"/>
+          </a:fillRef>
+          <a:effectRef idx="1">
+            <a:schemeClr val="dk1"/>
+          </a:effectRef>
+          <a:fontRef idx="minor">
+            <a:schemeClr val="tx1"/>
+          </a:fontRef>
+        </p:style>
+      </p:cxnSp>
+      <p:cxnSp>
+        <p:nvCxnSpPr>
+          <p:cNvPr id="12" name="Straight Arrow Connector 11">
+            <a:extLst>
+              <a:ext uri="{FF2B5EF4-FFF2-40B4-BE49-F238E27FC236}">
+                <a16:creationId xmlns:a16="http://schemas.microsoft.com/office/drawing/2014/main" id="{C9229245-2BC7-44A2-A46A-7BBA85DCA02C}"/>
+              </a:ext>
+            </a:extLst>
+          </p:cNvPr>
+          <p:cNvCxnSpPr>
+            <a:cxnSpLocks/>
+          </p:cNvCxnSpPr>
+          <p:nvPr/>
+        </p:nvCxnSpPr>
+        <p:spPr>
+          <a:xfrm>
+            <a:off x="4727511" y="984478"/>
+            <a:ext cx="658118" cy="351666"/>
+          </a:xfrm>
+          <a:prstGeom prst="straightConnector1">
+            <a:avLst/>
+          </a:prstGeom>
+          <a:ln w="38100">
+            <a:tailEnd type="triangle"/>
+          </a:ln>
+        </p:spPr>
+        <p:style>
+          <a:lnRef idx="2">
+            <a:schemeClr val="dk1"/>
+          </a:lnRef>
+          <a:fillRef idx="0">
+            <a:schemeClr val="dk1"/>
+          </a:fillRef>
+          <a:effectRef idx="1">
+            <a:schemeClr val="dk1"/>
+          </a:effectRef>
+          <a:fontRef idx="minor">
+            <a:schemeClr val="tx1"/>
+          </a:fontRef>
+        </p:style>
+      </p:cxnSp>
+      <p:cxnSp>
+        <p:nvCxnSpPr>
+          <p:cNvPr id="14" name="Straight Arrow Connector 13">
+            <a:extLst>
+              <a:ext uri="{FF2B5EF4-FFF2-40B4-BE49-F238E27FC236}">
+                <a16:creationId xmlns:a16="http://schemas.microsoft.com/office/drawing/2014/main" id="{EFCD85C8-5D00-4A92-8FCB-8173A6E14BB9}"/>
+              </a:ext>
+            </a:extLst>
+          </p:cNvPr>
+          <p:cNvCxnSpPr>
+            <a:cxnSpLocks/>
+          </p:cNvCxnSpPr>
+          <p:nvPr/>
+        </p:nvCxnSpPr>
+        <p:spPr>
+          <a:xfrm flipH="1">
+            <a:off x="2870096" y="2455200"/>
+            <a:ext cx="3601617" cy="769460"/>
+          </a:xfrm>
+          <a:prstGeom prst="straightConnector1">
+            <a:avLst/>
+          </a:prstGeom>
+          <a:ln w="38100">
+            <a:tailEnd type="triangle"/>
+          </a:ln>
+        </p:spPr>
+        <p:style>
+          <a:lnRef idx="2">
+            <a:schemeClr val="dk1"/>
+          </a:lnRef>
+          <a:fillRef idx="0">
+            <a:schemeClr val="dk1"/>
+          </a:fillRef>
+          <a:effectRef idx="1">
+            <a:schemeClr val="dk1"/>
+          </a:effectRef>
+          <a:fontRef idx="minor">
+            <a:schemeClr val="tx1"/>
+          </a:fontRef>
+        </p:style>
+      </p:cxnSp>
+    </p:spTree>
+    <p:extLst>
+      <p:ext uri="{BB962C8B-B14F-4D97-AF65-F5344CB8AC3E}">
+        <p14:creationId xmlns:p14="http://schemas.microsoft.com/office/powerpoint/2010/main" val="1271423642"/>
+      </p:ext>
+    </p:extLst>
+  </p:cSld>
+  <p:clrMapOvr>
+    <a:masterClrMapping/>
+  </p:clrMapOvr>
+  <p:transition spd="slow">
+    <p:fade/>
+  </p:transition>
+</p:sld>
+</file>
+
+<file path=ppt/slides/slide11.xml><?xml version="1.0" encoding="utf-8"?>
 <p:sld xmlns:a="http://schemas.openxmlformats.org/drawingml/2006/main" xmlns:r="http://schemas.openxmlformats.org/officeDocument/2006/relationships" xmlns:p="http://schemas.openxmlformats.org/presentationml/2006/main">
   <p:cSld>
     <p:spTree>
@@ -7126,7 +7607,7 @@
 </p:sld>
 </file>
 
-<file path=ppt/slides/slide11.xml><?xml version="1.0" encoding="utf-8"?>
+<file path=ppt/slides/slide12.xml><?xml version="1.0" encoding="utf-8"?>
 <p:sld xmlns:a="http://schemas.openxmlformats.org/drawingml/2006/main" xmlns:r="http://schemas.openxmlformats.org/officeDocument/2006/relationships" xmlns:p="http://schemas.openxmlformats.org/presentationml/2006/main">
   <p:cSld>
     <p:spTree>
@@ -7165,7 +7646,7 @@
           <a:graphicData uri="http://schemas.openxmlformats.org/presentationml/2006/ole">
             <mc:AlternateContent xmlns:mc="http://schemas.openxmlformats.org/markup-compatibility/2006">
               <mc:Choice xmlns:v="urn:schemas-microsoft-com:vml" Requires="v">
-                <p:oleObj spid="_x0000_s43016" name="Acrobat Document" r:id="rId3" imgW="0" imgH="0" progId="AcroExch.Document.DC">
+                <p:oleObj spid="_x0000_s4098" name="Acrobat Document" r:id="rId3" imgW="0" imgH="0" progId="AcroExch.Document.DC">
                   <p:embed/>
                 </p:oleObj>
               </mc:Choice>
@@ -7247,7 +7728,7 @@
 </p:sld>
 </file>
 
-<file path=ppt/slides/slide12.xml><?xml version="1.0" encoding="utf-8"?>
+<file path=ppt/slides/slide13.xml><?xml version="1.0" encoding="utf-8"?>
 <p:sld xmlns:a="http://schemas.openxmlformats.org/drawingml/2006/main" xmlns:r="http://schemas.openxmlformats.org/officeDocument/2006/relationships" xmlns:p="http://schemas.openxmlformats.org/presentationml/2006/main">
   <p:cSld>
     <p:spTree>
@@ -7286,7 +7767,7 @@
           <a:graphicData uri="http://schemas.openxmlformats.org/presentationml/2006/ole">
             <mc:AlternateContent xmlns:mc="http://schemas.openxmlformats.org/markup-compatibility/2006">
               <mc:Choice xmlns:v="urn:schemas-microsoft-com:vml" Requires="v">
-                <p:oleObj spid="_x0000_s44040" name="Acrobat Document" r:id="rId3" imgW="0" imgH="0" progId="AcroExch.Document.DC">
+                <p:oleObj spid="_x0000_s5122" name="Acrobat Document" r:id="rId3" imgW="0" imgH="0" progId="AcroExch.Document.DC">
                   <p:embed/>
                 </p:oleObj>
               </mc:Choice>
@@ -7491,7 +7972,7 @@
 </p:sld>
 </file>
 
-<file path=ppt/slides/slide13.xml><?xml version="1.0" encoding="utf-8"?>
+<file path=ppt/slides/slide14.xml><?xml version="1.0" encoding="utf-8"?>
 <p:sld xmlns:a="http://schemas.openxmlformats.org/drawingml/2006/main" xmlns:r="http://schemas.openxmlformats.org/officeDocument/2006/relationships" xmlns:p="http://schemas.openxmlformats.org/presentationml/2006/main">
   <p:cSld>
     <p:spTree>
@@ -8102,7 +8583,7 @@
 </p:sld>
 </file>
 
-<file path=ppt/slides/slide14.xml><?xml version="1.0" encoding="utf-8"?>
+<file path=ppt/slides/slide15.xml><?xml version="1.0" encoding="utf-8"?>
 <p:sld xmlns:a="http://schemas.openxmlformats.org/drawingml/2006/main" xmlns:r="http://schemas.openxmlformats.org/officeDocument/2006/relationships" xmlns:p="http://schemas.openxmlformats.org/presentationml/2006/main">
   <p:cSld>
     <p:spTree>
@@ -8119,8 +8600,8 @@
           <a:chExt cx="0" cy="0"/>
         </a:xfrm>
       </p:grpSpPr>
-      <mc:AlternateContent xmlns:mc="http://schemas.openxmlformats.org/markup-compatibility/2006">
-        <mc:Choice xmlns:a14="http://schemas.microsoft.com/office/drawing/2010/main" Requires="a14">
+      <mc:AlternateContent xmlns:mc="http://schemas.openxmlformats.org/markup-compatibility/2006" xmlns:a14="http://schemas.microsoft.com/office/drawing/2010/main">
+        <mc:Choice Requires="a14">
           <p:sp>
             <p:nvSpPr>
               <p:cNvPr id="5" name="TextBox 4">
@@ -8485,7 +8966,7 @@
             </p:txBody>
           </p:sp>
         </mc:Choice>
-        <mc:Fallback>
+        <mc:Fallback xmlns="">
           <p:sp>
             <p:nvSpPr>
               <p:cNvPr id="5" name="TextBox 4">
@@ -8546,7 +9027,7 @@
 </p:sld>
 </file>
 
-<file path=ppt/slides/slide15.xml><?xml version="1.0" encoding="utf-8"?>
+<file path=ppt/slides/slide16.xml><?xml version="1.0" encoding="utf-8"?>
 <p:sld xmlns:a="http://schemas.openxmlformats.org/drawingml/2006/main" xmlns:r="http://schemas.openxmlformats.org/officeDocument/2006/relationships" xmlns:p="http://schemas.openxmlformats.org/presentationml/2006/main">
   <p:cSld>
     <p:spTree>
@@ -8648,7 +9129,7 @@
               <a:rPr lang="en-US" altLang="en-US" dirty="0">
                 <a:latin typeface="Arial" panose="020B0604020202020204" pitchFamily="34" charset="0"/>
               </a:rPr>
-              <a:t>More than by chance?	</a:t>
+              <a:t>Outline	</a:t>
             </a:r>
           </a:p>
         </p:txBody>
@@ -8684,6 +9165,233 @@
           </a:bodyPr>
           <a:lstStyle/>
           <a:p>
+            <a:pPr lvl="1" eaLnBrk="1" hangingPunct="1"/>
+            <a:r>
+              <a:rPr lang="en-US" altLang="en-US" dirty="0">
+                <a:latin typeface="Arial" panose="020B0604020202020204" pitchFamily="34" charset="0"/>
+              </a:rPr>
+              <a:t>The why/when of networks</a:t>
+            </a:r>
+          </a:p>
+          <a:p>
+            <a:pPr lvl="1" eaLnBrk="1" hangingPunct="1"/>
+            <a:r>
+              <a:rPr lang="en-US" altLang="en-US" dirty="0">
+                <a:latin typeface="Arial" panose="020B0604020202020204" pitchFamily="34" charset="0"/>
+              </a:rPr>
+              <a:t>Testing network-level statistics</a:t>
+            </a:r>
+          </a:p>
+          <a:p>
+            <a:pPr lvl="2"/>
+            <a:r>
+              <a:rPr lang="en-US" altLang="en-US" dirty="0">
+                <a:latin typeface="Arial" panose="020B0604020202020204" pitchFamily="34" charset="0"/>
+              </a:rPr>
+              <a:t>Define a statistic</a:t>
+            </a:r>
+          </a:p>
+          <a:p>
+            <a:pPr lvl="3"/>
+            <a:r>
+              <a:rPr lang="en-US" altLang="en-US" dirty="0">
+                <a:latin typeface="Arial" panose="020B0604020202020204" pitchFamily="34" charset="0"/>
+              </a:rPr>
+              <a:t>Homophily</a:t>
+            </a:r>
+          </a:p>
+          <a:p>
+            <a:pPr lvl="3"/>
+            <a:r>
+              <a:rPr lang="en-US" altLang="en-US" dirty="0">
+                <a:latin typeface="Arial" panose="020B0604020202020204" pitchFamily="34" charset="0"/>
+              </a:rPr>
+              <a:t>Average clustering coefficient</a:t>
+            </a:r>
+          </a:p>
+          <a:p>
+            <a:pPr lvl="2"/>
+            <a:r>
+              <a:rPr lang="en-US" altLang="en-US" b="1" dirty="0">
+                <a:latin typeface="Arial" panose="020B0604020202020204" pitchFamily="34" charset="0"/>
+              </a:rPr>
+              <a:t>Pick a null model</a:t>
+            </a:r>
+          </a:p>
+          <a:p>
+            <a:pPr lvl="3"/>
+            <a:r>
+              <a:rPr lang="en-US" altLang="en-US" dirty="0">
+                <a:latin typeface="Arial" panose="020B0604020202020204" pitchFamily="34" charset="0"/>
+              </a:rPr>
+              <a:t>Erdös–Rényi model</a:t>
+            </a:r>
+          </a:p>
+          <a:p>
+            <a:pPr lvl="3"/>
+            <a:r>
+              <a:rPr lang="en-US" altLang="en-US" dirty="0">
+                <a:latin typeface="Arial" panose="020B0604020202020204" pitchFamily="34" charset="0"/>
+              </a:rPr>
+              <a:t>Configuration model</a:t>
+            </a:r>
+          </a:p>
+        </p:txBody>
+      </p:sp>
+    </p:spTree>
+    <p:extLst>
+      <p:ext uri="{BB962C8B-B14F-4D97-AF65-F5344CB8AC3E}">
+        <p14:creationId xmlns:p14="http://schemas.microsoft.com/office/powerpoint/2010/main" val="187246005"/>
+      </p:ext>
+    </p:extLst>
+  </p:cSld>
+  <p:clrMapOvr>
+    <a:masterClrMapping/>
+  </p:clrMapOvr>
+  <p:transition spd="slow">
+    <p:fade/>
+  </p:transition>
+</p:sld>
+</file>
+
+<file path=ppt/slides/slide17.xml><?xml version="1.0" encoding="utf-8"?>
+<p:sld xmlns:a="http://schemas.openxmlformats.org/drawingml/2006/main" xmlns:r="http://schemas.openxmlformats.org/officeDocument/2006/relationships" xmlns:p="http://schemas.openxmlformats.org/presentationml/2006/main">
+  <p:cSld>
+    <p:spTree>
+      <p:nvGrpSpPr>
+        <p:cNvPr id="1" name=""/>
+        <p:cNvGrpSpPr/>
+        <p:nvPr/>
+      </p:nvGrpSpPr>
+      <p:grpSpPr>
+        <a:xfrm>
+          <a:off x="0" y="0"/>
+          <a:ext cx="0" cy="0"/>
+          <a:chOff x="0" y="0"/>
+          <a:chExt cx="0" cy="0"/>
+        </a:xfrm>
+      </p:grpSpPr>
+      <p:sp>
+        <p:nvSpPr>
+          <p:cNvPr id="4" name="Rectangle 3">
+            <a:extLst>
+              <a:ext uri="{FF2B5EF4-FFF2-40B4-BE49-F238E27FC236}">
+                <a16:creationId xmlns:a16="http://schemas.microsoft.com/office/drawing/2014/main" id="{C3868BD0-27A0-4990-A507-B99430C0166D}"/>
+              </a:ext>
+            </a:extLst>
+          </p:cNvPr>
+          <p:cNvSpPr/>
+          <p:nvPr/>
+        </p:nvSpPr>
+        <p:spPr>
+          <a:xfrm>
+            <a:off x="8198505" y="-3809"/>
+            <a:ext cx="916266" cy="960118"/>
+          </a:xfrm>
+          <a:prstGeom prst="rect">
+            <a:avLst/>
+          </a:prstGeom>
+          <a:blipFill dpi="0" rotWithShape="1">
+            <a:blip r:embed="rId2"/>
+            <a:srcRect/>
+            <a:stretch>
+              <a:fillRect/>
+            </a:stretch>
+          </a:blipFill>
+          <a:ln>
+            <a:noFill/>
+          </a:ln>
+        </p:spPr>
+        <p:style>
+          <a:lnRef idx="1">
+            <a:schemeClr val="accent1"/>
+          </a:lnRef>
+          <a:fillRef idx="3">
+            <a:schemeClr val="accent1"/>
+          </a:fillRef>
+          <a:effectRef idx="2">
+            <a:schemeClr val="accent1"/>
+          </a:effectRef>
+          <a:fontRef idx="minor">
+            <a:schemeClr val="lt1"/>
+          </a:fontRef>
+        </p:style>
+        <p:txBody>
+          <a:bodyPr rtlCol="0" anchor="ctr"/>
+          <a:lstStyle/>
+          <a:p>
+            <a:pPr algn="ctr"/>
+            <a:endParaRPr lang="en-US"/>
+          </a:p>
+        </p:txBody>
+      </p:sp>
+      <p:sp>
+        <p:nvSpPr>
+          <p:cNvPr id="12289" name="Title 3">
+            <a:extLst>
+              <a:ext uri="{FF2B5EF4-FFF2-40B4-BE49-F238E27FC236}">
+                <a16:creationId xmlns:a16="http://schemas.microsoft.com/office/drawing/2014/main" id="{614C44C7-1F08-43F1-A9DF-BAD60DEF7E30}"/>
+              </a:ext>
+            </a:extLst>
+          </p:cNvPr>
+          <p:cNvSpPr>
+            <a:spLocks noGrp="1"/>
+          </p:cNvSpPr>
+          <p:nvPr>
+            <p:ph type="title"/>
+          </p:nvPr>
+        </p:nvSpPr>
+        <p:spPr>
+          <a:xfrm>
+            <a:off x="949325" y="358775"/>
+            <a:ext cx="7707313" cy="488950"/>
+          </a:xfrm>
+        </p:spPr>
+        <p:txBody>
+          <a:bodyPr/>
+          <a:lstStyle/>
+          <a:p>
+            <a:pPr eaLnBrk="1" hangingPunct="1"/>
+            <a:r>
+              <a:rPr lang="en-US" altLang="en-US" dirty="0">
+                <a:latin typeface="Arial" panose="020B0604020202020204" pitchFamily="34" charset="0"/>
+              </a:rPr>
+              <a:t>More than by chance?	</a:t>
+            </a:r>
+          </a:p>
+        </p:txBody>
+      </p:sp>
+      <p:sp>
+        <p:nvSpPr>
+          <p:cNvPr id="5" name="Content Placeholder 4">
+            <a:extLst>
+              <a:ext uri="{FF2B5EF4-FFF2-40B4-BE49-F238E27FC236}">
+                <a16:creationId xmlns:a16="http://schemas.microsoft.com/office/drawing/2014/main" id="{DAD015CE-F24D-493E-BF31-88632D698F84}"/>
+              </a:ext>
+            </a:extLst>
+          </p:cNvPr>
+          <p:cNvSpPr>
+            <a:spLocks noGrp="1"/>
+          </p:cNvSpPr>
+          <p:nvPr>
+            <p:ph sz="quarter" idx="10"/>
+          </p:nvPr>
+        </p:nvSpPr>
+        <p:spPr>
+          <a:xfrm>
+            <a:off x="955675" y="908050"/>
+            <a:ext cx="7700963" cy="3759200"/>
+          </a:xfrm>
+        </p:spPr>
+        <p:txBody>
+          <a:bodyPr wrap="square" numCol="1" anchor="t" anchorCtr="0" compatLnSpc="1">
+            <a:prstTxWarp prst="textNoShape">
+              <a:avLst/>
+            </a:prstTxWarp>
+            <a:normAutofit/>
+          </a:bodyPr>
+          <a:lstStyle/>
+          <a:p>
             <a:pPr lvl="1"/>
             <a:r>
               <a:rPr lang="en-US" altLang="en-US" dirty="0">
@@ -8764,7 +9472,7 @@
 </p:sld>
 </file>
 
-<file path=ppt/slides/slide16.xml><?xml version="1.0" encoding="utf-8"?>
+<file path=ppt/slides/slide18.xml><?xml version="1.0" encoding="utf-8"?>
 <p:sld xmlns:a="http://schemas.openxmlformats.org/drawingml/2006/main" xmlns:r="http://schemas.openxmlformats.org/officeDocument/2006/relationships" xmlns:p="http://schemas.openxmlformats.org/presentationml/2006/main">
   <p:cSld>
     <p:spTree>
@@ -8853,8 +9561,17 @@
               <a:rPr lang="en-US" altLang="en-US" dirty="0">
                 <a:latin typeface="Arial" panose="020B0604020202020204" pitchFamily="34" charset="0"/>
               </a:rPr>
-              <a:t>Simulate the network under the null model times</a:t>
-            </a:r>
+              <a:t>Simulate the network under the null </a:t>
+            </a:r>
+            <a:r>
+              <a:rPr lang="en-US" altLang="en-US">
+                <a:latin typeface="Arial" panose="020B0604020202020204" pitchFamily="34" charset="0"/>
+              </a:rPr>
+              <a:t>model many times</a:t>
+            </a:r>
+            <a:endParaRPr lang="en-US" altLang="en-US" dirty="0">
+              <a:latin typeface="Arial" panose="020B0604020202020204" pitchFamily="34" charset="0"/>
+            </a:endParaRPr>
           </a:p>
           <a:p>
             <a:pPr lvl="1" eaLnBrk="1" hangingPunct="1"/>
@@ -8955,7 +9672,7 @@
 </p:sld>
 </file>
 
-<file path=ppt/slides/slide17.xml><?xml version="1.0" encoding="utf-8"?>
+<file path=ppt/slides/slide19.xml><?xml version="1.0" encoding="utf-8"?>
 <p:sld xmlns:a="http://schemas.openxmlformats.org/drawingml/2006/main" xmlns:r="http://schemas.openxmlformats.org/officeDocument/2006/relationships" xmlns:p="http://schemas.openxmlformats.org/presentationml/2006/main">
   <p:cSld>
     <p:spTree>
@@ -9211,8 +9928,8 @@
           </a:p>
         </p:txBody>
       </p:sp>
-      <mc:AlternateContent xmlns:mc="http://schemas.openxmlformats.org/markup-compatibility/2006">
-        <mc:Choice xmlns:a14="http://schemas.microsoft.com/office/drawing/2010/main" Requires="a14">
+      <mc:AlternateContent xmlns:mc="http://schemas.openxmlformats.org/markup-compatibility/2006" xmlns:a14="http://schemas.microsoft.com/office/drawing/2010/main">
+        <mc:Choice Requires="a14">
           <p:sp>
             <p:nvSpPr>
               <p:cNvPr id="4" name="Content Placeholder 1">
@@ -9532,7 +10249,7 @@
             </p:txBody>
           </p:sp>
         </mc:Choice>
-        <mc:Fallback>
+        <mc:Fallback xmlns="">
           <p:sp>
             <p:nvSpPr>
               <p:cNvPr id="4" name="Content Placeholder 1">
@@ -9577,8 +10294,8 @@
           </p:sp>
         </mc:Fallback>
       </mc:AlternateContent>
-      <mc:AlternateContent xmlns:mc="http://schemas.openxmlformats.org/markup-compatibility/2006">
-        <mc:Choice xmlns:a14="http://schemas.microsoft.com/office/drawing/2010/main" Requires="a14">
+      <mc:AlternateContent xmlns:mc="http://schemas.openxmlformats.org/markup-compatibility/2006" xmlns:a14="http://schemas.microsoft.com/office/drawing/2010/main">
+        <mc:Choice Requires="a14">
           <p:sp>
             <p:nvSpPr>
               <p:cNvPr id="6" name="Content Placeholder 2">
@@ -9941,7 +10658,7 @@
             </p:txBody>
           </p:sp>
         </mc:Choice>
-        <mc:Fallback>
+        <mc:Fallback xmlns="">
           <p:sp>
             <p:nvSpPr>
               <p:cNvPr id="6" name="Content Placeholder 2">
@@ -10084,373 +10801,6 @@
     <p:extLst>
       <p:ext uri="{BB962C8B-B14F-4D97-AF65-F5344CB8AC3E}">
         <p14:creationId xmlns:p14="http://schemas.microsoft.com/office/powerpoint/2010/main" val="3060703040"/>
-      </p:ext>
-    </p:extLst>
-  </p:cSld>
-  <p:clrMapOvr>
-    <a:masterClrMapping/>
-  </p:clrMapOvr>
-  <p:transition spd="slow">
-    <p:fade/>
-  </p:transition>
-</p:sld>
-</file>
-
-<file path=ppt/slides/slide18.xml><?xml version="1.0" encoding="utf-8"?>
-<p:sld xmlns:a="http://schemas.openxmlformats.org/drawingml/2006/main" xmlns:r="http://schemas.openxmlformats.org/officeDocument/2006/relationships" xmlns:p="http://schemas.openxmlformats.org/presentationml/2006/main">
-  <p:cSld>
-    <p:spTree>
-      <p:nvGrpSpPr>
-        <p:cNvPr id="1" name=""/>
-        <p:cNvGrpSpPr/>
-        <p:nvPr/>
-      </p:nvGrpSpPr>
-      <p:grpSpPr>
-        <a:xfrm>
-          <a:off x="0" y="0"/>
-          <a:ext cx="0" cy="0"/>
-          <a:chOff x="0" y="0"/>
-          <a:chExt cx="0" cy="0"/>
-        </a:xfrm>
-      </p:grpSpPr>
-      <p:sp>
-        <p:nvSpPr>
-          <p:cNvPr id="11265" name="Title 1">
-            <a:extLst>
-              <a:ext uri="{FF2B5EF4-FFF2-40B4-BE49-F238E27FC236}">
-                <a16:creationId xmlns:a16="http://schemas.microsoft.com/office/drawing/2014/main" id="{8AD475EC-83A0-44AA-A3C2-126FB9CC93DA}"/>
-              </a:ext>
-            </a:extLst>
-          </p:cNvPr>
-          <p:cNvSpPr>
-            <a:spLocks noGrp="1"/>
-          </p:cNvSpPr>
-          <p:nvPr>
-            <p:ph type="ctrTitle"/>
-          </p:nvPr>
-        </p:nvSpPr>
-        <p:spPr>
-          <a:xfrm>
-            <a:off x="457200" y="264502"/>
-            <a:ext cx="8229600" cy="619125"/>
-          </a:xfrm>
-        </p:spPr>
-        <p:txBody>
-          <a:bodyPr/>
-          <a:lstStyle/>
-          <a:p>
-            <a:pPr eaLnBrk="1" hangingPunct="1"/>
-            <a:r>
-              <a:rPr lang="en-US" altLang="en-US" sz="3200" b="1" dirty="0">
-                <a:latin typeface="Arial" panose="020B0604020202020204" pitchFamily="34" charset="0"/>
-              </a:rPr>
-              <a:t>Thank you!</a:t>
-            </a:r>
-          </a:p>
-        </p:txBody>
-      </p:sp>
-      <p:sp>
-        <p:nvSpPr>
-          <p:cNvPr id="4" name="Subtitle 3">
-            <a:extLst>
-              <a:ext uri="{FF2B5EF4-FFF2-40B4-BE49-F238E27FC236}">
-                <a16:creationId xmlns:a16="http://schemas.microsoft.com/office/drawing/2014/main" id="{B1040FFD-A4E8-4464-B95B-1E0CB0D86E72}"/>
-              </a:ext>
-            </a:extLst>
-          </p:cNvPr>
-          <p:cNvSpPr>
-            <a:spLocks noGrp="1"/>
-          </p:cNvSpPr>
-          <p:nvPr>
-            <p:ph type="subTitle" idx="1"/>
-          </p:nvPr>
-        </p:nvSpPr>
-        <p:spPr>
-          <a:xfrm>
-            <a:off x="457200" y="1189471"/>
-            <a:ext cx="8229600" cy="2121793"/>
-          </a:xfrm>
-        </p:spPr>
-        <p:txBody>
-          <a:bodyPr/>
-          <a:lstStyle/>
-          <a:p>
-            <a:pPr eaLnBrk="1" fontAlgn="auto" hangingPunct="1">
-              <a:spcAft>
-                <a:spcPts val="0"/>
-              </a:spcAft>
-              <a:buFont typeface="Wingdings" charset="0"/>
-              <a:buNone/>
-              <a:defRPr/>
-            </a:pPr>
-            <a:r>
-              <a:rPr lang="en-US" sz="2000" b="1" dirty="0">
-                <a:ea typeface="ＭＳ Ｐゴシック" charset="0"/>
-              </a:rPr>
-              <a:t>Personal website:</a:t>
-            </a:r>
-          </a:p>
-          <a:p>
-            <a:pPr fontAlgn="auto">
-              <a:spcAft>
-                <a:spcPts val="0"/>
-              </a:spcAft>
-              <a:defRPr/>
-            </a:pPr>
-            <a:r>
-              <a:rPr lang="en-US" b="1" u="sng" dirty="0">
-                <a:hlinkClick r:id="rId2"/>
-              </a:rPr>
-              <a:t>https://ankenyav.wixsite.com/austinvanloon</a:t>
-            </a:r>
-            <a:endParaRPr lang="en-US" b="1" u="sng" dirty="0"/>
-          </a:p>
-          <a:p>
-            <a:pPr fontAlgn="auto">
-              <a:spcAft>
-                <a:spcPts val="0"/>
-              </a:spcAft>
-              <a:defRPr/>
-            </a:pPr>
-            <a:endParaRPr lang="en-US" b="1" u="sng" dirty="0"/>
-          </a:p>
-          <a:p>
-            <a:pPr fontAlgn="auto">
-              <a:spcAft>
-                <a:spcPts val="0"/>
-              </a:spcAft>
-              <a:defRPr/>
-            </a:pPr>
-            <a:r>
-              <a:rPr lang="en-US" sz="2000" b="1" dirty="0">
-                <a:ea typeface="ＭＳ Ｐゴシック" charset="0"/>
-              </a:rPr>
-              <a:t>Email:</a:t>
-            </a:r>
-          </a:p>
-          <a:p>
-            <a:pPr fontAlgn="auto">
-              <a:spcAft>
-                <a:spcPts val="0"/>
-              </a:spcAft>
-              <a:defRPr/>
-            </a:pPr>
-            <a:r>
-              <a:rPr lang="en-US" b="1" u="sng" dirty="0">
-                <a:hlinkClick r:id="rId3"/>
-              </a:rPr>
-              <a:t>avanloon@stanford.edu</a:t>
-            </a:r>
-            <a:endParaRPr lang="en-US" sz="2000" b="1" dirty="0">
-              <a:ea typeface="ＭＳ Ｐゴシック" charset="0"/>
-            </a:endParaRPr>
-          </a:p>
-          <a:p>
-            <a:pPr eaLnBrk="1" fontAlgn="auto" hangingPunct="1">
-              <a:spcAft>
-                <a:spcPts val="0"/>
-              </a:spcAft>
-              <a:buFont typeface="Wingdings" charset="0"/>
-              <a:buNone/>
-              <a:defRPr/>
-            </a:pPr>
-            <a:endParaRPr lang="en-US" sz="2000" dirty="0">
-              <a:solidFill>
-                <a:schemeClr val="bg2"/>
-              </a:solidFill>
-              <a:ea typeface="+mn-ea"/>
-              <a:cs typeface="+mn-cs"/>
-            </a:endParaRPr>
-          </a:p>
-        </p:txBody>
-      </p:sp>
-      <p:sp>
-        <p:nvSpPr>
-          <p:cNvPr id="7" name="Text Placeholder 6">
-            <a:extLst>
-              <a:ext uri="{FF2B5EF4-FFF2-40B4-BE49-F238E27FC236}">
-                <a16:creationId xmlns:a16="http://schemas.microsoft.com/office/drawing/2014/main" id="{D7D369A9-FF73-4815-A55E-286F29E59A6B}"/>
-              </a:ext>
-            </a:extLst>
-          </p:cNvPr>
-          <p:cNvSpPr>
-            <a:spLocks noGrp="1"/>
-          </p:cNvSpPr>
-          <p:nvPr>
-            <p:ph type="body" sz="quarter" idx="18"/>
-          </p:nvPr>
-        </p:nvSpPr>
-        <p:spPr>
-          <a:xfrm>
-            <a:off x="1542256" y="3855245"/>
-            <a:ext cx="6059488" cy="205740"/>
-          </a:xfrm>
-        </p:spPr>
-        <p:txBody>
-          <a:bodyPr/>
-          <a:lstStyle/>
-          <a:p>
-            <a:r>
-              <a:rPr lang="en-US" dirty="0"/>
-              <a:t>Austin van Loon</a:t>
-            </a:r>
-          </a:p>
-        </p:txBody>
-      </p:sp>
-      <p:sp>
-        <p:nvSpPr>
-          <p:cNvPr id="10" name="Rectangle 9">
-            <a:extLst>
-              <a:ext uri="{FF2B5EF4-FFF2-40B4-BE49-F238E27FC236}">
-                <a16:creationId xmlns:a16="http://schemas.microsoft.com/office/drawing/2014/main" id="{F08902E2-04D0-4E12-A839-19BB7AC1C1C5}"/>
-              </a:ext>
-            </a:extLst>
-          </p:cNvPr>
-          <p:cNvSpPr/>
-          <p:nvPr/>
-        </p:nvSpPr>
-        <p:spPr>
-          <a:xfrm>
-            <a:off x="2234840" y="4390897"/>
-            <a:ext cx="1688363" cy="602091"/>
-          </a:xfrm>
-          <a:prstGeom prst="rect">
-            <a:avLst/>
-          </a:prstGeom>
-          <a:blipFill>
-            <a:blip r:embed="rId4"/>
-            <a:stretch>
-              <a:fillRect/>
-            </a:stretch>
-          </a:blipFill>
-        </p:spPr>
-        <p:style>
-          <a:lnRef idx="1">
-            <a:schemeClr val="accent1"/>
-          </a:lnRef>
-          <a:fillRef idx="3">
-            <a:schemeClr val="accent1"/>
-          </a:fillRef>
-          <a:effectRef idx="2">
-            <a:schemeClr val="accent1"/>
-          </a:effectRef>
-          <a:fontRef idx="minor">
-            <a:schemeClr val="lt1"/>
-          </a:fontRef>
-        </p:style>
-        <p:txBody>
-          <a:bodyPr rtlCol="0" anchor="ctr"/>
-          <a:lstStyle/>
-          <a:p>
-            <a:pPr algn="ctr"/>
-            <a:endParaRPr lang="en-US"/>
-          </a:p>
-        </p:txBody>
-      </p:sp>
-      <p:sp>
-        <p:nvSpPr>
-          <p:cNvPr id="11" name="Rectangle 10">
-            <a:extLst>
-              <a:ext uri="{FF2B5EF4-FFF2-40B4-BE49-F238E27FC236}">
-                <a16:creationId xmlns:a16="http://schemas.microsoft.com/office/drawing/2014/main" id="{D89050A1-6DE9-4216-9AD5-AAFC94524D9E}"/>
-              </a:ext>
-            </a:extLst>
-          </p:cNvPr>
-          <p:cNvSpPr/>
-          <p:nvPr/>
-        </p:nvSpPr>
-        <p:spPr>
-          <a:xfrm>
-            <a:off x="4054971" y="4390897"/>
-            <a:ext cx="1556235" cy="652737"/>
-          </a:xfrm>
-          <a:prstGeom prst="rect">
-            <a:avLst/>
-          </a:prstGeom>
-          <a:blipFill>
-            <a:blip r:embed="rId5"/>
-            <a:stretch>
-              <a:fillRect/>
-            </a:stretch>
-          </a:blipFill>
-        </p:spPr>
-        <p:style>
-          <a:lnRef idx="1">
-            <a:schemeClr val="accent1"/>
-          </a:lnRef>
-          <a:fillRef idx="3">
-            <a:schemeClr val="accent1"/>
-          </a:fillRef>
-          <a:effectRef idx="2">
-            <a:schemeClr val="accent1"/>
-          </a:effectRef>
-          <a:fontRef idx="minor">
-            <a:schemeClr val="lt1"/>
-          </a:fontRef>
-        </p:style>
-        <p:txBody>
-          <a:bodyPr rtlCol="0" anchor="ctr"/>
-          <a:lstStyle/>
-          <a:p>
-            <a:pPr algn="ctr"/>
-            <a:endParaRPr lang="en-US"/>
-          </a:p>
-        </p:txBody>
-      </p:sp>
-      <p:sp>
-        <p:nvSpPr>
-          <p:cNvPr id="12" name="Rectangle 11">
-            <a:extLst>
-              <a:ext uri="{FF2B5EF4-FFF2-40B4-BE49-F238E27FC236}">
-                <a16:creationId xmlns:a16="http://schemas.microsoft.com/office/drawing/2014/main" id="{4969F364-13E5-4531-9C69-E9A943E680EE}"/>
-              </a:ext>
-            </a:extLst>
-          </p:cNvPr>
-          <p:cNvSpPr/>
-          <p:nvPr/>
-        </p:nvSpPr>
-        <p:spPr>
-          <a:xfrm>
-            <a:off x="116131" y="4337794"/>
-            <a:ext cx="1994024" cy="685860"/>
-          </a:xfrm>
-          <a:prstGeom prst="rect">
-            <a:avLst/>
-          </a:prstGeom>
-          <a:blipFill>
-            <a:blip r:embed="rId6"/>
-            <a:stretch>
-              <a:fillRect/>
-            </a:stretch>
-          </a:blipFill>
-        </p:spPr>
-        <p:style>
-          <a:lnRef idx="1">
-            <a:schemeClr val="accent1"/>
-          </a:lnRef>
-          <a:fillRef idx="3">
-            <a:schemeClr val="accent1"/>
-          </a:fillRef>
-          <a:effectRef idx="2">
-            <a:schemeClr val="accent1"/>
-          </a:effectRef>
-          <a:fontRef idx="minor">
-            <a:schemeClr val="lt1"/>
-          </a:fontRef>
-        </p:style>
-        <p:txBody>
-          <a:bodyPr rtlCol="0" anchor="ctr"/>
-          <a:lstStyle/>
-          <a:p>
-            <a:pPr algn="ctr"/>
-            <a:endParaRPr lang="en-US" dirty="0"/>
-          </a:p>
-        </p:txBody>
-      </p:sp>
-    </p:spTree>
-    <p:extLst>
-      <p:ext uri="{BB962C8B-B14F-4D97-AF65-F5344CB8AC3E}">
-        <p14:creationId xmlns:p14="http://schemas.microsoft.com/office/powerpoint/2010/main" val="4063335479"/>
       </p:ext>
     </p:extLst>
   </p:cSld>
@@ -10774,6 +11124,373 @@
 </p:sld>
 </file>
 
+<file path=ppt/slides/slide20.xml><?xml version="1.0" encoding="utf-8"?>
+<p:sld xmlns:a="http://schemas.openxmlformats.org/drawingml/2006/main" xmlns:r="http://schemas.openxmlformats.org/officeDocument/2006/relationships" xmlns:p="http://schemas.openxmlformats.org/presentationml/2006/main">
+  <p:cSld>
+    <p:spTree>
+      <p:nvGrpSpPr>
+        <p:cNvPr id="1" name=""/>
+        <p:cNvGrpSpPr/>
+        <p:nvPr/>
+      </p:nvGrpSpPr>
+      <p:grpSpPr>
+        <a:xfrm>
+          <a:off x="0" y="0"/>
+          <a:ext cx="0" cy="0"/>
+          <a:chOff x="0" y="0"/>
+          <a:chExt cx="0" cy="0"/>
+        </a:xfrm>
+      </p:grpSpPr>
+      <p:sp>
+        <p:nvSpPr>
+          <p:cNvPr id="11265" name="Title 1">
+            <a:extLst>
+              <a:ext uri="{FF2B5EF4-FFF2-40B4-BE49-F238E27FC236}">
+                <a16:creationId xmlns:a16="http://schemas.microsoft.com/office/drawing/2014/main" id="{8AD475EC-83A0-44AA-A3C2-126FB9CC93DA}"/>
+              </a:ext>
+            </a:extLst>
+          </p:cNvPr>
+          <p:cNvSpPr>
+            <a:spLocks noGrp="1"/>
+          </p:cNvSpPr>
+          <p:nvPr>
+            <p:ph type="ctrTitle"/>
+          </p:nvPr>
+        </p:nvSpPr>
+        <p:spPr>
+          <a:xfrm>
+            <a:off x="457200" y="264502"/>
+            <a:ext cx="8229600" cy="619125"/>
+          </a:xfrm>
+        </p:spPr>
+        <p:txBody>
+          <a:bodyPr/>
+          <a:lstStyle/>
+          <a:p>
+            <a:pPr eaLnBrk="1" hangingPunct="1"/>
+            <a:r>
+              <a:rPr lang="en-US" altLang="en-US" sz="3200" b="1" dirty="0">
+                <a:latin typeface="Arial" panose="020B0604020202020204" pitchFamily="34" charset="0"/>
+              </a:rPr>
+              <a:t>Thank you!</a:t>
+            </a:r>
+          </a:p>
+        </p:txBody>
+      </p:sp>
+      <p:sp>
+        <p:nvSpPr>
+          <p:cNvPr id="4" name="Subtitle 3">
+            <a:extLst>
+              <a:ext uri="{FF2B5EF4-FFF2-40B4-BE49-F238E27FC236}">
+                <a16:creationId xmlns:a16="http://schemas.microsoft.com/office/drawing/2014/main" id="{B1040FFD-A4E8-4464-B95B-1E0CB0D86E72}"/>
+              </a:ext>
+            </a:extLst>
+          </p:cNvPr>
+          <p:cNvSpPr>
+            <a:spLocks noGrp="1"/>
+          </p:cNvSpPr>
+          <p:nvPr>
+            <p:ph type="subTitle" idx="1"/>
+          </p:nvPr>
+        </p:nvSpPr>
+        <p:spPr>
+          <a:xfrm>
+            <a:off x="457200" y="1189471"/>
+            <a:ext cx="8229600" cy="2121793"/>
+          </a:xfrm>
+        </p:spPr>
+        <p:txBody>
+          <a:bodyPr/>
+          <a:lstStyle/>
+          <a:p>
+            <a:pPr eaLnBrk="1" fontAlgn="auto" hangingPunct="1">
+              <a:spcAft>
+                <a:spcPts val="0"/>
+              </a:spcAft>
+              <a:buFont typeface="Wingdings" charset="0"/>
+              <a:buNone/>
+              <a:defRPr/>
+            </a:pPr>
+            <a:r>
+              <a:rPr lang="en-US" sz="2000" b="1" dirty="0">
+                <a:ea typeface="ＭＳ Ｐゴシック" charset="0"/>
+              </a:rPr>
+              <a:t>Personal website:</a:t>
+            </a:r>
+          </a:p>
+          <a:p>
+            <a:pPr fontAlgn="auto">
+              <a:spcAft>
+                <a:spcPts val="0"/>
+              </a:spcAft>
+              <a:defRPr/>
+            </a:pPr>
+            <a:r>
+              <a:rPr lang="en-US" b="1" u="sng" dirty="0">
+                <a:hlinkClick r:id="rId2"/>
+              </a:rPr>
+              <a:t>https://ankenyav.wixsite.com/austinvanloon</a:t>
+            </a:r>
+            <a:endParaRPr lang="en-US" b="1" u="sng" dirty="0"/>
+          </a:p>
+          <a:p>
+            <a:pPr fontAlgn="auto">
+              <a:spcAft>
+                <a:spcPts val="0"/>
+              </a:spcAft>
+              <a:defRPr/>
+            </a:pPr>
+            <a:endParaRPr lang="en-US" b="1" u="sng" dirty="0"/>
+          </a:p>
+          <a:p>
+            <a:pPr fontAlgn="auto">
+              <a:spcAft>
+                <a:spcPts val="0"/>
+              </a:spcAft>
+              <a:defRPr/>
+            </a:pPr>
+            <a:r>
+              <a:rPr lang="en-US" sz="2000" b="1" dirty="0">
+                <a:ea typeface="ＭＳ Ｐゴシック" charset="0"/>
+              </a:rPr>
+              <a:t>Email:</a:t>
+            </a:r>
+          </a:p>
+          <a:p>
+            <a:pPr fontAlgn="auto">
+              <a:spcAft>
+                <a:spcPts val="0"/>
+              </a:spcAft>
+              <a:defRPr/>
+            </a:pPr>
+            <a:r>
+              <a:rPr lang="en-US" b="1" u="sng" dirty="0">
+                <a:hlinkClick r:id="rId3"/>
+              </a:rPr>
+              <a:t>avanloon@stanford.edu</a:t>
+            </a:r>
+            <a:endParaRPr lang="en-US" sz="2000" b="1" dirty="0">
+              <a:ea typeface="ＭＳ Ｐゴシック" charset="0"/>
+            </a:endParaRPr>
+          </a:p>
+          <a:p>
+            <a:pPr eaLnBrk="1" fontAlgn="auto" hangingPunct="1">
+              <a:spcAft>
+                <a:spcPts val="0"/>
+              </a:spcAft>
+              <a:buFont typeface="Wingdings" charset="0"/>
+              <a:buNone/>
+              <a:defRPr/>
+            </a:pPr>
+            <a:endParaRPr lang="en-US" sz="2000" dirty="0">
+              <a:solidFill>
+                <a:schemeClr val="bg2"/>
+              </a:solidFill>
+              <a:ea typeface="+mn-ea"/>
+              <a:cs typeface="+mn-cs"/>
+            </a:endParaRPr>
+          </a:p>
+        </p:txBody>
+      </p:sp>
+      <p:sp>
+        <p:nvSpPr>
+          <p:cNvPr id="7" name="Text Placeholder 6">
+            <a:extLst>
+              <a:ext uri="{FF2B5EF4-FFF2-40B4-BE49-F238E27FC236}">
+                <a16:creationId xmlns:a16="http://schemas.microsoft.com/office/drawing/2014/main" id="{D7D369A9-FF73-4815-A55E-286F29E59A6B}"/>
+              </a:ext>
+            </a:extLst>
+          </p:cNvPr>
+          <p:cNvSpPr>
+            <a:spLocks noGrp="1"/>
+          </p:cNvSpPr>
+          <p:nvPr>
+            <p:ph type="body" sz="quarter" idx="18"/>
+          </p:nvPr>
+        </p:nvSpPr>
+        <p:spPr>
+          <a:xfrm>
+            <a:off x="1542256" y="3855245"/>
+            <a:ext cx="6059488" cy="205740"/>
+          </a:xfrm>
+        </p:spPr>
+        <p:txBody>
+          <a:bodyPr/>
+          <a:lstStyle/>
+          <a:p>
+            <a:r>
+              <a:rPr lang="en-US" dirty="0"/>
+              <a:t>Austin van Loon</a:t>
+            </a:r>
+          </a:p>
+        </p:txBody>
+      </p:sp>
+      <p:sp>
+        <p:nvSpPr>
+          <p:cNvPr id="10" name="Rectangle 9">
+            <a:extLst>
+              <a:ext uri="{FF2B5EF4-FFF2-40B4-BE49-F238E27FC236}">
+                <a16:creationId xmlns:a16="http://schemas.microsoft.com/office/drawing/2014/main" id="{F08902E2-04D0-4E12-A839-19BB7AC1C1C5}"/>
+              </a:ext>
+            </a:extLst>
+          </p:cNvPr>
+          <p:cNvSpPr/>
+          <p:nvPr/>
+        </p:nvSpPr>
+        <p:spPr>
+          <a:xfrm>
+            <a:off x="2234840" y="4390897"/>
+            <a:ext cx="1688363" cy="602091"/>
+          </a:xfrm>
+          <a:prstGeom prst="rect">
+            <a:avLst/>
+          </a:prstGeom>
+          <a:blipFill>
+            <a:blip r:embed="rId4"/>
+            <a:stretch>
+              <a:fillRect/>
+            </a:stretch>
+          </a:blipFill>
+        </p:spPr>
+        <p:style>
+          <a:lnRef idx="1">
+            <a:schemeClr val="accent1"/>
+          </a:lnRef>
+          <a:fillRef idx="3">
+            <a:schemeClr val="accent1"/>
+          </a:fillRef>
+          <a:effectRef idx="2">
+            <a:schemeClr val="accent1"/>
+          </a:effectRef>
+          <a:fontRef idx="minor">
+            <a:schemeClr val="lt1"/>
+          </a:fontRef>
+        </p:style>
+        <p:txBody>
+          <a:bodyPr rtlCol="0" anchor="ctr"/>
+          <a:lstStyle/>
+          <a:p>
+            <a:pPr algn="ctr"/>
+            <a:endParaRPr lang="en-US"/>
+          </a:p>
+        </p:txBody>
+      </p:sp>
+      <p:sp>
+        <p:nvSpPr>
+          <p:cNvPr id="11" name="Rectangle 10">
+            <a:extLst>
+              <a:ext uri="{FF2B5EF4-FFF2-40B4-BE49-F238E27FC236}">
+                <a16:creationId xmlns:a16="http://schemas.microsoft.com/office/drawing/2014/main" id="{D89050A1-6DE9-4216-9AD5-AAFC94524D9E}"/>
+              </a:ext>
+            </a:extLst>
+          </p:cNvPr>
+          <p:cNvSpPr/>
+          <p:nvPr/>
+        </p:nvSpPr>
+        <p:spPr>
+          <a:xfrm>
+            <a:off x="4054971" y="4390897"/>
+            <a:ext cx="1556235" cy="652737"/>
+          </a:xfrm>
+          <a:prstGeom prst="rect">
+            <a:avLst/>
+          </a:prstGeom>
+          <a:blipFill>
+            <a:blip r:embed="rId5"/>
+            <a:stretch>
+              <a:fillRect/>
+            </a:stretch>
+          </a:blipFill>
+        </p:spPr>
+        <p:style>
+          <a:lnRef idx="1">
+            <a:schemeClr val="accent1"/>
+          </a:lnRef>
+          <a:fillRef idx="3">
+            <a:schemeClr val="accent1"/>
+          </a:fillRef>
+          <a:effectRef idx="2">
+            <a:schemeClr val="accent1"/>
+          </a:effectRef>
+          <a:fontRef idx="minor">
+            <a:schemeClr val="lt1"/>
+          </a:fontRef>
+        </p:style>
+        <p:txBody>
+          <a:bodyPr rtlCol="0" anchor="ctr"/>
+          <a:lstStyle/>
+          <a:p>
+            <a:pPr algn="ctr"/>
+            <a:endParaRPr lang="en-US"/>
+          </a:p>
+        </p:txBody>
+      </p:sp>
+      <p:sp>
+        <p:nvSpPr>
+          <p:cNvPr id="12" name="Rectangle 11">
+            <a:extLst>
+              <a:ext uri="{FF2B5EF4-FFF2-40B4-BE49-F238E27FC236}">
+                <a16:creationId xmlns:a16="http://schemas.microsoft.com/office/drawing/2014/main" id="{4969F364-13E5-4531-9C69-E9A943E680EE}"/>
+              </a:ext>
+            </a:extLst>
+          </p:cNvPr>
+          <p:cNvSpPr/>
+          <p:nvPr/>
+        </p:nvSpPr>
+        <p:spPr>
+          <a:xfrm>
+            <a:off x="116131" y="4337794"/>
+            <a:ext cx="1994024" cy="685860"/>
+          </a:xfrm>
+          <a:prstGeom prst="rect">
+            <a:avLst/>
+          </a:prstGeom>
+          <a:blipFill>
+            <a:blip r:embed="rId6"/>
+            <a:stretch>
+              <a:fillRect/>
+            </a:stretch>
+          </a:blipFill>
+        </p:spPr>
+        <p:style>
+          <a:lnRef idx="1">
+            <a:schemeClr val="accent1"/>
+          </a:lnRef>
+          <a:fillRef idx="3">
+            <a:schemeClr val="accent1"/>
+          </a:fillRef>
+          <a:effectRef idx="2">
+            <a:schemeClr val="accent1"/>
+          </a:effectRef>
+          <a:fontRef idx="minor">
+            <a:schemeClr val="lt1"/>
+          </a:fontRef>
+        </p:style>
+        <p:txBody>
+          <a:bodyPr rtlCol="0" anchor="ctr"/>
+          <a:lstStyle/>
+          <a:p>
+            <a:pPr algn="ctr"/>
+            <a:endParaRPr lang="en-US" dirty="0"/>
+          </a:p>
+        </p:txBody>
+      </p:sp>
+    </p:spTree>
+    <p:extLst>
+      <p:ext uri="{BB962C8B-B14F-4D97-AF65-F5344CB8AC3E}">
+        <p14:creationId xmlns:p14="http://schemas.microsoft.com/office/powerpoint/2010/main" val="4063335479"/>
+      </p:ext>
+    </p:extLst>
+  </p:cSld>
+  <p:clrMapOvr>
+    <a:masterClrMapping/>
+  </p:clrMapOvr>
+  <p:transition spd="slow">
+    <p:fade/>
+  </p:transition>
+</p:sld>
+</file>
+
 <file path=ppt/slides/slide3.xml><?xml version="1.0" encoding="utf-8"?>
 <p:sld xmlns:a="http://schemas.openxmlformats.org/drawingml/2006/main" xmlns:r="http://schemas.openxmlformats.org/officeDocument/2006/relationships" xmlns:p="http://schemas.openxmlformats.org/presentationml/2006/main">
   <p:cSld>
@@ -10981,15 +11698,6 @@
                 <a:latin typeface="Arial" panose="020B0604020202020204" pitchFamily="34" charset="0"/>
               </a:rPr>
               <a:t>Configuration model</a:t>
-            </a:r>
-          </a:p>
-          <a:p>
-            <a:pPr lvl="1"/>
-            <a:r>
-              <a:rPr lang="en-US" altLang="en-US" dirty="0">
-                <a:latin typeface="Arial" panose="020B0604020202020204" pitchFamily="34" charset="0"/>
-              </a:rPr>
-              <a:t>Code</a:t>
             </a:r>
           </a:p>
         </p:txBody>
@@ -11139,7 +11847,7 @@
             <a:prstTxWarp prst="textNoShape">
               <a:avLst/>
             </a:prstTxWarp>
-            <a:normAutofit fontScale="92500" lnSpcReduction="10000"/>
+            <a:normAutofit/>
           </a:bodyPr>
           <a:lstStyle/>
           <a:p>
@@ -11212,42 +11920,6 @@
                 <a:latin typeface="Arial" panose="020B0604020202020204" pitchFamily="34" charset="0"/>
               </a:rPr>
               <a:t>Configuration model</a:t>
-            </a:r>
-          </a:p>
-          <a:p>
-            <a:pPr lvl="1"/>
-            <a:r>
-              <a:rPr lang="en-US" altLang="en-US" dirty="0">
-                <a:latin typeface="Arial" panose="020B0604020202020204" pitchFamily="34" charset="0"/>
-              </a:rPr>
-              <a:t>Node2Vec</a:t>
-            </a:r>
-          </a:p>
-          <a:p>
-            <a:pPr lvl="2"/>
-            <a:r>
-              <a:rPr lang="en-US" altLang="en-US" dirty="0">
-                <a:latin typeface="Arial" panose="020B0604020202020204" pitchFamily="34" charset="0"/>
-              </a:rPr>
-              <a:t>Embedding space</a:t>
-            </a:r>
-          </a:p>
-          <a:p>
-            <a:pPr lvl="2"/>
-            <a:r>
-              <a:rPr lang="en-US" altLang="en-US" dirty="0">
-                <a:latin typeface="Arial" panose="020B0604020202020204" pitchFamily="34" charset="0"/>
-              </a:rPr>
-              <a:t>Random walks</a:t>
-            </a:r>
-          </a:p>
-          <a:p>
-            <a:pPr lvl="2"/>
-            <a:r>
-              <a:rPr lang="en-US" altLang="en-US" dirty="0">
-                <a:latin typeface="Arial" panose="020B0604020202020204" pitchFamily="34" charset="0"/>
-              </a:rPr>
-              <a:t>Embedding a node’s position using random walks</a:t>
             </a:r>
           </a:p>
         </p:txBody>
@@ -11255,7 +11927,7 @@
     </p:spTree>
     <p:extLst>
       <p:ext uri="{BB962C8B-B14F-4D97-AF65-F5344CB8AC3E}">
-        <p14:creationId xmlns:p14="http://schemas.microsoft.com/office/powerpoint/2010/main" val="2205212369"/>
+        <p14:creationId xmlns:p14="http://schemas.microsoft.com/office/powerpoint/2010/main" val="2224639594"/>
       </p:ext>
     </p:extLst>
   </p:cSld>
@@ -11366,7 +12038,7 @@
               <a:rPr lang="en-US" altLang="en-US" dirty="0">
                 <a:latin typeface="Arial" panose="020B0604020202020204" pitchFamily="34" charset="0"/>
               </a:rPr>
-              <a:t>In many cases, we’re interested in interdependence!</a:t>
+              <a:t>In many cases, we’re interested in interdependence</a:t>
             </a:r>
           </a:p>
           <a:p>
@@ -11538,6 +12210,233 @@
           <a:chExt cx="0" cy="0"/>
         </a:xfrm>
       </p:grpSpPr>
+      <p:sp>
+        <p:nvSpPr>
+          <p:cNvPr id="4" name="Rectangle 3">
+            <a:extLst>
+              <a:ext uri="{FF2B5EF4-FFF2-40B4-BE49-F238E27FC236}">
+                <a16:creationId xmlns:a16="http://schemas.microsoft.com/office/drawing/2014/main" id="{C3868BD0-27A0-4990-A507-B99430C0166D}"/>
+              </a:ext>
+            </a:extLst>
+          </p:cNvPr>
+          <p:cNvSpPr/>
+          <p:nvPr/>
+        </p:nvSpPr>
+        <p:spPr>
+          <a:xfrm>
+            <a:off x="8198505" y="-3809"/>
+            <a:ext cx="916266" cy="960118"/>
+          </a:xfrm>
+          <a:prstGeom prst="rect">
+            <a:avLst/>
+          </a:prstGeom>
+          <a:blipFill dpi="0" rotWithShape="1">
+            <a:blip r:embed="rId2"/>
+            <a:srcRect/>
+            <a:stretch>
+              <a:fillRect/>
+            </a:stretch>
+          </a:blipFill>
+          <a:ln>
+            <a:noFill/>
+          </a:ln>
+        </p:spPr>
+        <p:style>
+          <a:lnRef idx="1">
+            <a:schemeClr val="accent1"/>
+          </a:lnRef>
+          <a:fillRef idx="3">
+            <a:schemeClr val="accent1"/>
+          </a:fillRef>
+          <a:effectRef idx="2">
+            <a:schemeClr val="accent1"/>
+          </a:effectRef>
+          <a:fontRef idx="minor">
+            <a:schemeClr val="lt1"/>
+          </a:fontRef>
+        </p:style>
+        <p:txBody>
+          <a:bodyPr rtlCol="0" anchor="ctr"/>
+          <a:lstStyle/>
+          <a:p>
+            <a:pPr algn="ctr"/>
+            <a:endParaRPr lang="en-US"/>
+          </a:p>
+        </p:txBody>
+      </p:sp>
+      <p:sp>
+        <p:nvSpPr>
+          <p:cNvPr id="12289" name="Title 3">
+            <a:extLst>
+              <a:ext uri="{FF2B5EF4-FFF2-40B4-BE49-F238E27FC236}">
+                <a16:creationId xmlns:a16="http://schemas.microsoft.com/office/drawing/2014/main" id="{614C44C7-1F08-43F1-A9DF-BAD60DEF7E30}"/>
+              </a:ext>
+            </a:extLst>
+          </p:cNvPr>
+          <p:cNvSpPr>
+            <a:spLocks noGrp="1"/>
+          </p:cNvSpPr>
+          <p:nvPr>
+            <p:ph type="title"/>
+          </p:nvPr>
+        </p:nvSpPr>
+        <p:spPr>
+          <a:xfrm>
+            <a:off x="949325" y="358775"/>
+            <a:ext cx="7707313" cy="488950"/>
+          </a:xfrm>
+        </p:spPr>
+        <p:txBody>
+          <a:bodyPr/>
+          <a:lstStyle/>
+          <a:p>
+            <a:pPr eaLnBrk="1" hangingPunct="1"/>
+            <a:r>
+              <a:rPr lang="en-US" altLang="en-US" dirty="0">
+                <a:latin typeface="Arial" panose="020B0604020202020204" pitchFamily="34" charset="0"/>
+              </a:rPr>
+              <a:t>Outline	</a:t>
+            </a:r>
+          </a:p>
+        </p:txBody>
+      </p:sp>
+      <p:sp>
+        <p:nvSpPr>
+          <p:cNvPr id="5" name="Content Placeholder 4">
+            <a:extLst>
+              <a:ext uri="{FF2B5EF4-FFF2-40B4-BE49-F238E27FC236}">
+                <a16:creationId xmlns:a16="http://schemas.microsoft.com/office/drawing/2014/main" id="{DAD015CE-F24D-493E-BF31-88632D698F84}"/>
+              </a:ext>
+            </a:extLst>
+          </p:cNvPr>
+          <p:cNvSpPr>
+            <a:spLocks noGrp="1"/>
+          </p:cNvSpPr>
+          <p:nvPr>
+            <p:ph sz="quarter" idx="10"/>
+          </p:nvPr>
+        </p:nvSpPr>
+        <p:spPr>
+          <a:xfrm>
+            <a:off x="955675" y="908050"/>
+            <a:ext cx="7700963" cy="3759200"/>
+          </a:xfrm>
+        </p:spPr>
+        <p:txBody>
+          <a:bodyPr wrap="square" numCol="1" anchor="t" anchorCtr="0" compatLnSpc="1">
+            <a:prstTxWarp prst="textNoShape">
+              <a:avLst/>
+            </a:prstTxWarp>
+            <a:normAutofit/>
+          </a:bodyPr>
+          <a:lstStyle/>
+          <a:p>
+            <a:pPr lvl="1" eaLnBrk="1" hangingPunct="1"/>
+            <a:r>
+              <a:rPr lang="en-US" altLang="en-US" dirty="0">
+                <a:latin typeface="Arial" panose="020B0604020202020204" pitchFamily="34" charset="0"/>
+              </a:rPr>
+              <a:t>The why/when of networks</a:t>
+            </a:r>
+          </a:p>
+          <a:p>
+            <a:pPr lvl="1" eaLnBrk="1" hangingPunct="1"/>
+            <a:r>
+              <a:rPr lang="en-US" altLang="en-US" b="1" dirty="0">
+                <a:latin typeface="Arial" panose="020B0604020202020204" pitchFamily="34" charset="0"/>
+              </a:rPr>
+              <a:t>Testing network-level statistics</a:t>
+            </a:r>
+          </a:p>
+          <a:p>
+            <a:pPr lvl="2"/>
+            <a:r>
+              <a:rPr lang="en-US" altLang="en-US" dirty="0">
+                <a:latin typeface="Arial" panose="020B0604020202020204" pitchFamily="34" charset="0"/>
+              </a:rPr>
+              <a:t>Define a statistic</a:t>
+            </a:r>
+          </a:p>
+          <a:p>
+            <a:pPr lvl="3"/>
+            <a:r>
+              <a:rPr lang="en-US" altLang="en-US" dirty="0">
+                <a:latin typeface="Arial" panose="020B0604020202020204" pitchFamily="34" charset="0"/>
+              </a:rPr>
+              <a:t>Homophily</a:t>
+            </a:r>
+          </a:p>
+          <a:p>
+            <a:pPr lvl="3"/>
+            <a:r>
+              <a:rPr lang="en-US" altLang="en-US" dirty="0">
+                <a:latin typeface="Arial" panose="020B0604020202020204" pitchFamily="34" charset="0"/>
+              </a:rPr>
+              <a:t>Average clustering coefficient</a:t>
+            </a:r>
+          </a:p>
+          <a:p>
+            <a:pPr lvl="2"/>
+            <a:r>
+              <a:rPr lang="en-US" altLang="en-US" dirty="0">
+                <a:latin typeface="Arial" panose="020B0604020202020204" pitchFamily="34" charset="0"/>
+              </a:rPr>
+              <a:t>Pick a null model</a:t>
+            </a:r>
+          </a:p>
+          <a:p>
+            <a:pPr lvl="3"/>
+            <a:r>
+              <a:rPr lang="en-US" altLang="en-US" dirty="0">
+                <a:latin typeface="Arial" panose="020B0604020202020204" pitchFamily="34" charset="0"/>
+              </a:rPr>
+              <a:t>Erdös–Rényi model</a:t>
+            </a:r>
+          </a:p>
+          <a:p>
+            <a:pPr lvl="3"/>
+            <a:r>
+              <a:rPr lang="en-US" altLang="en-US" dirty="0">
+                <a:latin typeface="Arial" panose="020B0604020202020204" pitchFamily="34" charset="0"/>
+              </a:rPr>
+              <a:t>Configuration model</a:t>
+            </a:r>
+          </a:p>
+        </p:txBody>
+      </p:sp>
+    </p:spTree>
+    <p:extLst>
+      <p:ext uri="{BB962C8B-B14F-4D97-AF65-F5344CB8AC3E}">
+        <p14:creationId xmlns:p14="http://schemas.microsoft.com/office/powerpoint/2010/main" val="2912270455"/>
+      </p:ext>
+    </p:extLst>
+  </p:cSld>
+  <p:clrMapOvr>
+    <a:masterClrMapping/>
+  </p:clrMapOvr>
+  <p:transition spd="slow">
+    <p:fade/>
+  </p:transition>
+</p:sld>
+</file>
+
+<file path=ppt/slides/slide7.xml><?xml version="1.0" encoding="utf-8"?>
+<p:sld xmlns:a="http://schemas.openxmlformats.org/drawingml/2006/main" xmlns:r="http://schemas.openxmlformats.org/officeDocument/2006/relationships" xmlns:p="http://schemas.openxmlformats.org/presentationml/2006/main">
+  <p:cSld>
+    <p:spTree>
+      <p:nvGrpSpPr>
+        <p:cNvPr id="1" name=""/>
+        <p:cNvGrpSpPr/>
+        <p:nvPr/>
+      </p:nvGrpSpPr>
+      <p:grpSpPr>
+        <a:xfrm>
+          <a:off x="0" y="0"/>
+          <a:ext cx="0" cy="0"/>
+          <a:chOff x="0" y="0"/>
+          <a:chExt cx="0" cy="0"/>
+        </a:xfrm>
+      </p:grpSpPr>
       <p:graphicFrame>
         <p:nvGraphicFramePr>
           <p:cNvPr id="6" name="Object 5">
@@ -11566,7 +12465,7 @@
           <a:graphicData uri="http://schemas.openxmlformats.org/presentationml/2006/ole">
             <mc:AlternateContent xmlns:mc="http://schemas.openxmlformats.org/markup-compatibility/2006">
               <mc:Choice xmlns:v="urn:schemas-microsoft-com:vml" Requires="v">
-                <p:oleObj spid="_x0000_s39945" name="Acrobat Document" r:id="rId3" imgW="0" imgH="0" progId="AcroExch.Document.DC">
+                <p:oleObj spid="_x0000_s1026" name="Acrobat Document" r:id="rId3" imgW="0" imgH="0" progId="AcroExch.Document.DC">
                   <p:embed/>
                 </p:oleObj>
               </mc:Choice>
@@ -11575,7 +12474,13 @@
                   <p:embed/>
                   <p:pic>
                     <p:nvPicPr>
-                      <p:cNvPr id="0" name=""/>
+                      <p:cNvPr id="6" name="Object 5">
+                        <a:extLst>
+                          <a:ext uri="{FF2B5EF4-FFF2-40B4-BE49-F238E27FC236}">
+                            <a16:creationId xmlns:a16="http://schemas.microsoft.com/office/drawing/2014/main" id="{CB35EFFB-2E6E-4933-9045-AE5D37257508}"/>
+                          </a:ext>
+                        </a:extLst>
+                      </p:cNvPr>
                       <p:cNvPicPr/>
                       <p:nvPr/>
                     </p:nvPicPr>
@@ -11677,7 +12582,7 @@
 </p:sld>
 </file>
 
-<file path=ppt/slides/slide7.xml><?xml version="1.0" encoding="utf-8"?>
+<file path=ppt/slides/slide8.xml><?xml version="1.0" encoding="utf-8"?>
 <p:sld xmlns:a="http://schemas.openxmlformats.org/drawingml/2006/main" xmlns:r="http://schemas.openxmlformats.org/officeDocument/2006/relationships" xmlns:p="http://schemas.openxmlformats.org/presentationml/2006/main">
   <p:cSld>
     <p:spTree>
@@ -11811,7 +12716,7 @@
             <a:prstTxWarp prst="textNoShape">
               <a:avLst/>
             </a:prstTxWarp>
-            <a:normAutofit fontScale="92500" lnSpcReduction="10000"/>
+            <a:normAutofit/>
           </a:bodyPr>
           <a:lstStyle/>
           <a:p>
@@ -11826,7 +12731,7 @@
           <a:p>
             <a:pPr lvl="1" eaLnBrk="1" hangingPunct="1"/>
             <a:r>
-              <a:rPr lang="en-US" altLang="en-US" b="1" dirty="0">
+              <a:rPr lang="en-US" altLang="en-US" dirty="0">
                 <a:latin typeface="Arial" panose="020B0604020202020204" pitchFamily="34" charset="0"/>
               </a:rPr>
               <a:t>Testing network-level statistics</a:t>
@@ -11835,7 +12740,7 @@
           <a:p>
             <a:pPr lvl="2"/>
             <a:r>
-              <a:rPr lang="en-US" altLang="en-US" dirty="0">
+              <a:rPr lang="en-US" altLang="en-US" b="1" dirty="0">
                 <a:latin typeface="Arial" panose="020B0604020202020204" pitchFamily="34" charset="0"/>
               </a:rPr>
               <a:t>Define a statistic</a:t>
@@ -11884,42 +12789,6 @@
                 <a:latin typeface="Arial" panose="020B0604020202020204" pitchFamily="34" charset="0"/>
               </a:rPr>
               <a:t>Configuration model</a:t>
-            </a:r>
-          </a:p>
-          <a:p>
-            <a:pPr lvl="1"/>
-            <a:r>
-              <a:rPr lang="en-US" altLang="en-US" dirty="0">
-                <a:latin typeface="Arial" panose="020B0604020202020204" pitchFamily="34" charset="0"/>
-              </a:rPr>
-              <a:t>Node2Vec</a:t>
-            </a:r>
-          </a:p>
-          <a:p>
-            <a:pPr lvl="2"/>
-            <a:r>
-              <a:rPr lang="en-US" altLang="en-US" dirty="0">
-                <a:latin typeface="Arial" panose="020B0604020202020204" pitchFamily="34" charset="0"/>
-              </a:rPr>
-              <a:t>Embedding space</a:t>
-            </a:r>
-          </a:p>
-          <a:p>
-            <a:pPr lvl="2"/>
-            <a:r>
-              <a:rPr lang="en-US" altLang="en-US" dirty="0">
-                <a:latin typeface="Arial" panose="020B0604020202020204" pitchFamily="34" charset="0"/>
-              </a:rPr>
-              <a:t>Random walks</a:t>
-            </a:r>
-          </a:p>
-          <a:p>
-            <a:pPr lvl="2"/>
-            <a:r>
-              <a:rPr lang="en-US" altLang="en-US" dirty="0">
-                <a:latin typeface="Arial" panose="020B0604020202020204" pitchFamily="34" charset="0"/>
-              </a:rPr>
-              <a:t>Embedding a node’s position using random walks</a:t>
             </a:r>
           </a:p>
         </p:txBody>
@@ -11927,7 +12796,7 @@
     </p:spTree>
     <p:extLst>
       <p:ext uri="{BB962C8B-B14F-4D97-AF65-F5344CB8AC3E}">
-        <p14:creationId xmlns:p14="http://schemas.microsoft.com/office/powerpoint/2010/main" val="57053443"/>
+        <p14:creationId xmlns:p14="http://schemas.microsoft.com/office/powerpoint/2010/main" val="2253703413"/>
       </p:ext>
     </p:extLst>
   </p:cSld>
@@ -11940,7 +12809,7 @@
 </p:sld>
 </file>
 
-<file path=ppt/slides/slide8.xml><?xml version="1.0" encoding="utf-8"?>
+<file path=ppt/slides/slide9.xml><?xml version="1.0" encoding="utf-8"?>
 <p:sld xmlns:a="http://schemas.openxmlformats.org/drawingml/2006/main" xmlns:r="http://schemas.openxmlformats.org/officeDocument/2006/relationships" xmlns:p="http://schemas.openxmlformats.org/presentationml/2006/main">
   <p:cSld>
     <p:spTree>
@@ -11979,7 +12848,7 @@
           <a:graphicData uri="http://schemas.openxmlformats.org/presentationml/2006/ole">
             <mc:AlternateContent xmlns:mc="http://schemas.openxmlformats.org/markup-compatibility/2006">
               <mc:Choice xmlns:v="urn:schemas-microsoft-com:vml" Requires="v">
-                <p:oleObj spid="_x0000_s40969" name="Acrobat Document" r:id="rId3" imgW="0" imgH="0" progId="AcroExch.Document.DC">
+                <p:oleObj spid="_x0000_s2050" name="Acrobat Document" r:id="rId3" imgW="0" imgH="0" progId="AcroExch.Document.DC">
                   <p:embed/>
                 </p:oleObj>
               </mc:Choice>
@@ -12049,289 +12918,6 @@
     <p:extLst>
       <p:ext uri="{BB962C8B-B14F-4D97-AF65-F5344CB8AC3E}">
         <p14:creationId xmlns:p14="http://schemas.microsoft.com/office/powerpoint/2010/main" val="372622795"/>
-      </p:ext>
-    </p:extLst>
-  </p:cSld>
-  <p:clrMapOvr>
-    <a:masterClrMapping/>
-  </p:clrMapOvr>
-  <p:transition spd="slow">
-    <p:fade/>
-  </p:transition>
-</p:sld>
-</file>
-
-<file path=ppt/slides/slide9.xml><?xml version="1.0" encoding="utf-8"?>
-<p:sld xmlns:a="http://schemas.openxmlformats.org/drawingml/2006/main" xmlns:r="http://schemas.openxmlformats.org/officeDocument/2006/relationships" xmlns:p="http://schemas.openxmlformats.org/presentationml/2006/main">
-  <p:cSld>
-    <p:spTree>
-      <p:nvGrpSpPr>
-        <p:cNvPr id="1" name=""/>
-        <p:cNvGrpSpPr/>
-        <p:nvPr/>
-      </p:nvGrpSpPr>
-      <p:grpSpPr>
-        <a:xfrm>
-          <a:off x="0" y="0"/>
-          <a:ext cx="0" cy="0"/>
-          <a:chOff x="0" y="0"/>
-          <a:chExt cx="0" cy="0"/>
-        </a:xfrm>
-      </p:grpSpPr>
-      <p:graphicFrame>
-        <p:nvGraphicFramePr>
-          <p:cNvPr id="6" name="Object 5">
-            <a:extLst>
-              <a:ext uri="{FF2B5EF4-FFF2-40B4-BE49-F238E27FC236}">
-                <a16:creationId xmlns:a16="http://schemas.microsoft.com/office/drawing/2014/main" id="{CB35EFFB-2E6E-4933-9045-AE5D37257508}"/>
-              </a:ext>
-            </a:extLst>
-          </p:cNvPr>
-          <p:cNvGraphicFramePr>
-            <a:graphicFrameLocks noChangeAspect="1"/>
-          </p:cNvGraphicFramePr>
-          <p:nvPr/>
-        </p:nvGraphicFramePr>
-        <p:xfrm>
-          <a:off x="1524000" y="539750"/>
-          <a:ext cx="6096000" cy="4064000"/>
-        </p:xfrm>
-        <a:graphic>
-          <a:graphicData uri="http://schemas.openxmlformats.org/presentationml/2006/ole">
-            <mc:AlternateContent xmlns:mc="http://schemas.openxmlformats.org/markup-compatibility/2006">
-              <mc:Choice xmlns:v="urn:schemas-microsoft-com:vml" Requires="v">
-                <p:oleObj spid="_x0000_s41992" name="Acrobat Document" r:id="rId3" imgW="0" imgH="0" progId="AcroExch.Document.DC">
-                  <p:embed/>
-                </p:oleObj>
-              </mc:Choice>
-              <mc:Fallback>
-                <p:oleObj name="Acrobat Document" r:id="rId3" imgW="0" imgH="0" progId="AcroExch.Document.DC">
-                  <p:embed/>
-                  <p:pic>
-                    <p:nvPicPr>
-                      <p:cNvPr id="6" name="Object 5">
-                        <a:extLst>
-                          <a:ext uri="{FF2B5EF4-FFF2-40B4-BE49-F238E27FC236}">
-                            <a16:creationId xmlns:a16="http://schemas.microsoft.com/office/drawing/2014/main" id="{CB35EFFB-2E6E-4933-9045-AE5D37257508}"/>
-                          </a:ext>
-                        </a:extLst>
-                      </p:cNvPr>
-                      <p:cNvPicPr/>
-                      <p:nvPr/>
-                    </p:nvPicPr>
-                    <p:blipFill/>
-                    <p:spPr>
-                      <a:xfrm>
-                        <a:off x="1524000" y="539750"/>
-                        <a:ext cx="6096000" cy="4064000"/>
-                      </a:xfrm>
-                      <a:prstGeom prst="rect">
-                        <a:avLst/>
-                      </a:prstGeom>
-                    </p:spPr>
-                  </p:pic>
-                </p:oleObj>
-              </mc:Fallback>
-            </mc:AlternateContent>
-          </a:graphicData>
-        </a:graphic>
-      </p:graphicFrame>
-      <p:pic>
-        <p:nvPicPr>
-          <p:cNvPr id="5" name="Picture 4" descr="A picture containing text, map&#10;&#10;Description automatically generated">
-            <a:extLst>
-              <a:ext uri="{FF2B5EF4-FFF2-40B4-BE49-F238E27FC236}">
-                <a16:creationId xmlns:a16="http://schemas.microsoft.com/office/drawing/2014/main" id="{86321406-3F80-49EC-BEF4-4EEB88574F23}"/>
-              </a:ext>
-            </a:extLst>
-          </p:cNvPr>
-          <p:cNvPicPr>
-            <a:picLocks noChangeAspect="1"/>
-          </p:cNvPicPr>
-          <p:nvPr/>
-        </p:nvPicPr>
-        <p:blipFill>
-          <a:blip r:embed="rId4"/>
-          <a:stretch>
-            <a:fillRect/>
-          </a:stretch>
-        </p:blipFill>
-        <p:spPr>
-          <a:xfrm>
-            <a:off x="2300287" y="309562"/>
-            <a:ext cx="4543425" cy="4524375"/>
-          </a:xfrm>
-          <a:prstGeom prst="rect">
-            <a:avLst/>
-          </a:prstGeom>
-        </p:spPr>
-      </p:pic>
-      <p:cxnSp>
-        <p:nvCxnSpPr>
-          <p:cNvPr id="9" name="Straight Arrow Connector 8">
-            <a:extLst>
-              <a:ext uri="{FF2B5EF4-FFF2-40B4-BE49-F238E27FC236}">
-                <a16:creationId xmlns:a16="http://schemas.microsoft.com/office/drawing/2014/main" id="{58723EE2-FB8A-41B6-AEDA-E091668CF29C}"/>
-              </a:ext>
-            </a:extLst>
-          </p:cNvPr>
-          <p:cNvCxnSpPr/>
-          <p:nvPr/>
-        </p:nvCxnSpPr>
-        <p:spPr>
-          <a:xfrm flipV="1">
-            <a:off x="3108960" y="2142309"/>
-            <a:ext cx="238864" cy="809897"/>
-          </a:xfrm>
-          <a:prstGeom prst="straightConnector1">
-            <a:avLst/>
-          </a:prstGeom>
-          <a:ln w="38100">
-            <a:tailEnd type="triangle"/>
-          </a:ln>
-        </p:spPr>
-        <p:style>
-          <a:lnRef idx="2">
-            <a:schemeClr val="dk1"/>
-          </a:lnRef>
-          <a:fillRef idx="0">
-            <a:schemeClr val="dk1"/>
-          </a:fillRef>
-          <a:effectRef idx="1">
-            <a:schemeClr val="dk1"/>
-          </a:effectRef>
-          <a:fontRef idx="minor">
-            <a:schemeClr val="tx1"/>
-          </a:fontRef>
-        </p:style>
-      </p:cxnSp>
-      <p:cxnSp>
-        <p:nvCxnSpPr>
-          <p:cNvPr id="10" name="Straight Arrow Connector 9">
-            <a:extLst>
-              <a:ext uri="{FF2B5EF4-FFF2-40B4-BE49-F238E27FC236}">
-                <a16:creationId xmlns:a16="http://schemas.microsoft.com/office/drawing/2014/main" id="{E9F4A1C9-FDF0-467B-A1BB-1ABD88B85F47}"/>
-              </a:ext>
-            </a:extLst>
-          </p:cNvPr>
-          <p:cNvCxnSpPr>
-            <a:cxnSpLocks/>
-          </p:cNvCxnSpPr>
-          <p:nvPr/>
-        </p:nvCxnSpPr>
-        <p:spPr>
-          <a:xfrm flipV="1">
-            <a:off x="5847806" y="2052735"/>
-            <a:ext cx="187234" cy="674915"/>
-          </a:xfrm>
-          <a:prstGeom prst="straightConnector1">
-            <a:avLst/>
-          </a:prstGeom>
-          <a:ln w="38100">
-            <a:tailEnd type="triangle"/>
-          </a:ln>
-        </p:spPr>
-        <p:style>
-          <a:lnRef idx="2">
-            <a:schemeClr val="dk1"/>
-          </a:lnRef>
-          <a:fillRef idx="0">
-            <a:schemeClr val="dk1"/>
-          </a:fillRef>
-          <a:effectRef idx="1">
-            <a:schemeClr val="dk1"/>
-          </a:effectRef>
-          <a:fontRef idx="minor">
-            <a:schemeClr val="tx1"/>
-          </a:fontRef>
-        </p:style>
-      </p:cxnSp>
-      <p:cxnSp>
-        <p:nvCxnSpPr>
-          <p:cNvPr id="12" name="Straight Arrow Connector 11">
-            <a:extLst>
-              <a:ext uri="{FF2B5EF4-FFF2-40B4-BE49-F238E27FC236}">
-                <a16:creationId xmlns:a16="http://schemas.microsoft.com/office/drawing/2014/main" id="{C9229245-2BC7-44A2-A46A-7BBA85DCA02C}"/>
-              </a:ext>
-            </a:extLst>
-          </p:cNvPr>
-          <p:cNvCxnSpPr>
-            <a:cxnSpLocks/>
-          </p:cNvCxnSpPr>
-          <p:nvPr/>
-        </p:nvCxnSpPr>
-        <p:spPr>
-          <a:xfrm>
-            <a:off x="4727511" y="984478"/>
-            <a:ext cx="658118" cy="351666"/>
-          </a:xfrm>
-          <a:prstGeom prst="straightConnector1">
-            <a:avLst/>
-          </a:prstGeom>
-          <a:ln w="38100">
-            <a:tailEnd type="triangle"/>
-          </a:ln>
-        </p:spPr>
-        <p:style>
-          <a:lnRef idx="2">
-            <a:schemeClr val="dk1"/>
-          </a:lnRef>
-          <a:fillRef idx="0">
-            <a:schemeClr val="dk1"/>
-          </a:fillRef>
-          <a:effectRef idx="1">
-            <a:schemeClr val="dk1"/>
-          </a:effectRef>
-          <a:fontRef idx="minor">
-            <a:schemeClr val="tx1"/>
-          </a:fontRef>
-        </p:style>
-      </p:cxnSp>
-      <p:cxnSp>
-        <p:nvCxnSpPr>
-          <p:cNvPr id="14" name="Straight Arrow Connector 13">
-            <a:extLst>
-              <a:ext uri="{FF2B5EF4-FFF2-40B4-BE49-F238E27FC236}">
-                <a16:creationId xmlns:a16="http://schemas.microsoft.com/office/drawing/2014/main" id="{EFCD85C8-5D00-4A92-8FCB-8173A6E14BB9}"/>
-              </a:ext>
-            </a:extLst>
-          </p:cNvPr>
-          <p:cNvCxnSpPr>
-            <a:cxnSpLocks/>
-          </p:cNvCxnSpPr>
-          <p:nvPr/>
-        </p:nvCxnSpPr>
-        <p:spPr>
-          <a:xfrm flipH="1">
-            <a:off x="2870096" y="2455200"/>
-            <a:ext cx="3601617" cy="769460"/>
-          </a:xfrm>
-          <a:prstGeom prst="straightConnector1">
-            <a:avLst/>
-          </a:prstGeom>
-          <a:ln w="38100">
-            <a:tailEnd type="triangle"/>
-          </a:ln>
-        </p:spPr>
-        <p:style>
-          <a:lnRef idx="2">
-            <a:schemeClr val="dk1"/>
-          </a:lnRef>
-          <a:fillRef idx="0">
-            <a:schemeClr val="dk1"/>
-          </a:fillRef>
-          <a:effectRef idx="1">
-            <a:schemeClr val="dk1"/>
-          </a:effectRef>
-          <a:fontRef idx="minor">
-            <a:schemeClr val="tx1"/>
-          </a:fontRef>
-        </p:style>
-      </p:cxnSp>
-    </p:spTree>
-    <p:extLst>
-      <p:ext uri="{BB962C8B-B14F-4D97-AF65-F5344CB8AC3E}">
-        <p14:creationId xmlns:p14="http://schemas.microsoft.com/office/powerpoint/2010/main" val="1271423642"/>
       </p:ext>
     </p:extLst>
   </p:cSld>

--- a/FlashTalk.pptx
+++ b/FlashTalk.pptx
@@ -171,7 +171,7 @@
 <file path=ppt/revisionInfo.xml><?xml version="1.0" encoding="utf-8"?>
 <p1510:revInfo xmlns:a="http://schemas.openxmlformats.org/drawingml/2006/main" xmlns:r="http://schemas.openxmlformats.org/officeDocument/2006/relationships" xmlns:p1510="http://schemas.microsoft.com/office/powerpoint/2015/10/main">
   <p1510:revLst>
-    <p1510:client id="{25C67C93-CF4C-4DAB-8F29-046A1F834880}" v="11" dt="2019-06-24T01:31:38.130"/>
+    <p1510:client id="{25C67C93-CF4C-4DAB-8F29-046A1F834880}" v="12" dt="2019-06-24T02:36:45.621"/>
   </p1510:revLst>
 </p1510:revInfo>
 </file>
@@ -180,27 +180,27 @@
 <pc:chgInfo xmlns:a="http://schemas.openxmlformats.org/drawingml/2006/main" xmlns:r="http://schemas.openxmlformats.org/officeDocument/2006/relationships" xmlns:ac="http://schemas.microsoft.com/office/drawing/2013/main/command" xmlns:pc="http://schemas.microsoft.com/office/powerpoint/2013/main/command">
   <pc:docChgLst>
     <pc:chgData name="Austin van Loon" userId="1c89adfc-06ff-4a27-ac27-838b4a369d30" providerId="ADAL" clId="{25C67C93-CF4C-4DAB-8F29-046A1F834880}"/>
-    <pc:docChg chg="custSel addSld delSld modSld sldOrd">
-      <pc:chgData name="Austin van Loon" userId="1c89adfc-06ff-4a27-ac27-838b4a369d30" providerId="ADAL" clId="{25C67C93-CF4C-4DAB-8F29-046A1F834880}" dt="2019-06-24T01:35:22.005" v="32" actId="20577"/>
+    <pc:docChg chg="undo custSel addSld delSld modSld sldOrd">
+      <pc:chgData name="Austin van Loon" userId="1c89adfc-06ff-4a27-ac27-838b4a369d30" providerId="ADAL" clId="{25C67C93-CF4C-4DAB-8F29-046A1F834880}" dt="2019-06-24T02:36:45.621" v="66"/>
       <pc:docMkLst>
         <pc:docMk/>
       </pc:docMkLst>
-      <pc:sldChg chg="addSp delSp">
-        <pc:chgData name="Austin van Loon" userId="1c89adfc-06ff-4a27-ac27-838b4a369d30" providerId="ADAL" clId="{25C67C93-CF4C-4DAB-8F29-046A1F834880}" dt="2019-06-24T01:31:43.331" v="24" actId="478"/>
+      <pc:sldChg chg="addSp delSp modSp">
+        <pc:chgData name="Austin van Loon" userId="1c89adfc-06ff-4a27-ac27-838b4a369d30" providerId="ADAL" clId="{25C67C93-CF4C-4DAB-8F29-046A1F834880}" dt="2019-06-24T02:35:24.931" v="64" actId="1076"/>
         <pc:sldMkLst>
           <pc:docMk/>
           <pc:sldMk cId="0" sldId="304"/>
         </pc:sldMkLst>
-        <pc:spChg chg="add">
-          <ac:chgData name="Austin van Loon" userId="1c89adfc-06ff-4a27-ac27-838b4a369d30" providerId="ADAL" clId="{25C67C93-CF4C-4DAB-8F29-046A1F834880}" dt="2019-06-24T01:31:38.130" v="21"/>
+        <pc:spChg chg="add mod">
+          <ac:chgData name="Austin van Loon" userId="1c89adfc-06ff-4a27-ac27-838b4a369d30" providerId="ADAL" clId="{25C67C93-CF4C-4DAB-8F29-046A1F834880}" dt="2019-06-24T02:35:23.279" v="63" actId="1076"/>
           <ac:spMkLst>
             <pc:docMk/>
             <pc:sldMk cId="0" sldId="304"/>
             <ac:spMk id="8" creationId="{B22501F5-0C96-429B-8DCF-96CB501CD6D6}"/>
           </ac:spMkLst>
         </pc:spChg>
-        <pc:spChg chg="add">
-          <ac:chgData name="Austin van Loon" userId="1c89adfc-06ff-4a27-ac27-838b4a369d30" providerId="ADAL" clId="{25C67C93-CF4C-4DAB-8F29-046A1F834880}" dt="2019-06-24T01:31:38.130" v="21"/>
+        <pc:spChg chg="add mod">
+          <ac:chgData name="Austin van Loon" userId="1c89adfc-06ff-4a27-ac27-838b4a369d30" providerId="ADAL" clId="{25C67C93-CF4C-4DAB-8F29-046A1F834880}" dt="2019-06-24T02:35:24.931" v="64" actId="1076"/>
           <ac:spMkLst>
             <pc:docMk/>
             <pc:sldMk cId="0" sldId="304"/>
@@ -231,8 +231,8 @@
             <ac:spMk id="12" creationId="{4969F364-13E5-4531-9C69-E9A943E680EE}"/>
           </ac:spMkLst>
         </pc:spChg>
-        <pc:spChg chg="add">
-          <ac:chgData name="Austin van Loon" userId="1c89adfc-06ff-4a27-ac27-838b4a369d30" providerId="ADAL" clId="{25C67C93-CF4C-4DAB-8F29-046A1F834880}" dt="2019-06-24T01:31:38.130" v="21"/>
+        <pc:spChg chg="add mod">
+          <ac:chgData name="Austin van Loon" userId="1c89adfc-06ff-4a27-ac27-838b4a369d30" providerId="ADAL" clId="{25C67C93-CF4C-4DAB-8F29-046A1F834880}" dt="2019-06-24T02:35:21.668" v="62" actId="1076"/>
           <ac:spMkLst>
             <pc:docMk/>
             <pc:sldMk cId="0" sldId="304"/>
@@ -298,6 +298,61 @@
           <pc:docMk/>
           <pc:sldMk cId="57053443" sldId="327"/>
         </pc:sldMkLst>
+      </pc:sldChg>
+      <pc:sldChg chg="addSp delSp">
+        <pc:chgData name="Austin van Loon" userId="1c89adfc-06ff-4a27-ac27-838b4a369d30" providerId="ADAL" clId="{25C67C93-CF4C-4DAB-8F29-046A1F834880}" dt="2019-06-24T02:36:45.621" v="66"/>
+        <pc:sldMkLst>
+          <pc:docMk/>
+          <pc:sldMk cId="4063335479" sldId="329"/>
+        </pc:sldMkLst>
+        <pc:spChg chg="add">
+          <ac:chgData name="Austin van Loon" userId="1c89adfc-06ff-4a27-ac27-838b4a369d30" providerId="ADAL" clId="{25C67C93-CF4C-4DAB-8F29-046A1F834880}" dt="2019-06-24T02:36:45.621" v="66"/>
+          <ac:spMkLst>
+            <pc:docMk/>
+            <pc:sldMk cId="4063335479" sldId="329"/>
+            <ac:spMk id="8" creationId="{6EF689EE-F077-40D1-B9D5-976D04ED192D}"/>
+          </ac:spMkLst>
+        </pc:spChg>
+        <pc:spChg chg="add">
+          <ac:chgData name="Austin van Loon" userId="1c89adfc-06ff-4a27-ac27-838b4a369d30" providerId="ADAL" clId="{25C67C93-CF4C-4DAB-8F29-046A1F834880}" dt="2019-06-24T02:36:45.621" v="66"/>
+          <ac:spMkLst>
+            <pc:docMk/>
+            <pc:sldMk cId="4063335479" sldId="329"/>
+            <ac:spMk id="9" creationId="{8AFED38D-1F33-4899-9B4D-27A5D577FB31}"/>
+          </ac:spMkLst>
+        </pc:spChg>
+        <pc:spChg chg="del">
+          <ac:chgData name="Austin van Loon" userId="1c89adfc-06ff-4a27-ac27-838b4a369d30" providerId="ADAL" clId="{25C67C93-CF4C-4DAB-8F29-046A1F834880}" dt="2019-06-24T02:36:45.041" v="65" actId="478"/>
+          <ac:spMkLst>
+            <pc:docMk/>
+            <pc:sldMk cId="4063335479" sldId="329"/>
+            <ac:spMk id="10" creationId="{F08902E2-04D0-4E12-A839-19BB7AC1C1C5}"/>
+          </ac:spMkLst>
+        </pc:spChg>
+        <pc:spChg chg="del">
+          <ac:chgData name="Austin van Loon" userId="1c89adfc-06ff-4a27-ac27-838b4a369d30" providerId="ADAL" clId="{25C67C93-CF4C-4DAB-8F29-046A1F834880}" dt="2019-06-24T02:36:45.041" v="65" actId="478"/>
+          <ac:spMkLst>
+            <pc:docMk/>
+            <pc:sldMk cId="4063335479" sldId="329"/>
+            <ac:spMk id="11" creationId="{D89050A1-6DE9-4216-9AD5-AAFC94524D9E}"/>
+          </ac:spMkLst>
+        </pc:spChg>
+        <pc:spChg chg="del">
+          <ac:chgData name="Austin van Loon" userId="1c89adfc-06ff-4a27-ac27-838b4a369d30" providerId="ADAL" clId="{25C67C93-CF4C-4DAB-8F29-046A1F834880}" dt="2019-06-24T02:36:45.041" v="65" actId="478"/>
+          <ac:spMkLst>
+            <pc:docMk/>
+            <pc:sldMk cId="4063335479" sldId="329"/>
+            <ac:spMk id="12" creationId="{4969F364-13E5-4531-9C69-E9A943E680EE}"/>
+          </ac:spMkLst>
+        </pc:spChg>
+        <pc:spChg chg="add">
+          <ac:chgData name="Austin van Loon" userId="1c89adfc-06ff-4a27-ac27-838b4a369d30" providerId="ADAL" clId="{25C67C93-CF4C-4DAB-8F29-046A1F834880}" dt="2019-06-24T02:36:45.621" v="66"/>
+          <ac:spMkLst>
+            <pc:docMk/>
+            <pc:sldMk cId="4063335479" sldId="329"/>
+            <ac:spMk id="13" creationId="{80D243F2-0CC3-4F40-B500-71389D5DA84A}"/>
+          </ac:spMkLst>
+        </pc:spChg>
       </pc:sldChg>
       <pc:sldChg chg="modSp add">
         <pc:chgData name="Austin van Loon" userId="1c89adfc-06ff-4a27-ac27-838b4a369d30" providerId="ADAL" clId="{25C67C93-CF4C-4DAB-8F29-046A1F834880}" dt="2019-06-24T01:28:59.442" v="10" actId="20577"/>
@@ -6803,7 +6858,7 @@
         </p:nvSpPr>
         <p:spPr>
           <a:xfrm>
-            <a:off x="2234840" y="4390897"/>
+            <a:off x="2883637" y="4421562"/>
             <a:ext cx="1688363" cy="602091"/>
           </a:xfrm>
           <a:prstGeom prst="rect">
@@ -6815,6 +6870,9 @@
               <a:fillRect/>
             </a:stretch>
           </a:blipFill>
+          <a:ln>
+            <a:noFill/>
+          </a:ln>
         </p:spPr>
         <p:style>
           <a:lnRef idx="1">
@@ -6853,8 +6911,8 @@
         </p:nvSpPr>
         <p:spPr>
           <a:xfrm>
-            <a:off x="4054971" y="4390897"/>
-            <a:ext cx="1556235" cy="652737"/>
+            <a:off x="4763598" y="4396238"/>
+            <a:ext cx="1865577" cy="652737"/>
           </a:xfrm>
           <a:prstGeom prst="rect">
             <a:avLst/>
@@ -6865,6 +6923,9 @@
               <a:fillRect/>
             </a:stretch>
           </a:blipFill>
+          <a:ln>
+            <a:noFill/>
+          </a:ln>
         </p:spPr>
         <p:style>
           <a:lnRef idx="1">
@@ -6903,8 +6964,8 @@
         </p:nvSpPr>
         <p:spPr>
           <a:xfrm>
-            <a:off x="116131" y="4337794"/>
-            <a:ext cx="1994024" cy="685860"/>
+            <a:off x="139182" y="4396238"/>
+            <a:ext cx="2552857" cy="627415"/>
           </a:xfrm>
           <a:prstGeom prst="rect">
             <a:avLst/>
@@ -6915,6 +6976,9 @@
               <a:fillRect/>
             </a:stretch>
           </a:blipFill>
+          <a:ln>
+            <a:noFill/>
+          </a:ln>
         </p:spPr>
         <p:style>
           <a:lnRef idx="1">
@@ -11327,10 +11391,10 @@
       </p:sp>
       <p:sp>
         <p:nvSpPr>
-          <p:cNvPr id="10" name="Rectangle 9">
+          <p:cNvPr id="8" name="Rectangle 7">
             <a:extLst>
               <a:ext uri="{FF2B5EF4-FFF2-40B4-BE49-F238E27FC236}">
-                <a16:creationId xmlns:a16="http://schemas.microsoft.com/office/drawing/2014/main" id="{F08902E2-04D0-4E12-A839-19BB7AC1C1C5}"/>
+                <a16:creationId xmlns:a16="http://schemas.microsoft.com/office/drawing/2014/main" id="{6EF689EE-F077-40D1-B9D5-976D04ED192D}"/>
               </a:ext>
             </a:extLst>
           </p:cNvPr>
@@ -11339,7 +11403,7 @@
         </p:nvSpPr>
         <p:spPr>
           <a:xfrm>
-            <a:off x="2234840" y="4390897"/>
+            <a:off x="2883637" y="4421562"/>
             <a:ext cx="1688363" cy="602091"/>
           </a:xfrm>
           <a:prstGeom prst="rect">
@@ -11351,6 +11415,9 @@
               <a:fillRect/>
             </a:stretch>
           </a:blipFill>
+          <a:ln>
+            <a:noFill/>
+          </a:ln>
         </p:spPr>
         <p:style>
           <a:lnRef idx="1">
@@ -11377,10 +11444,10 @@
       </p:sp>
       <p:sp>
         <p:nvSpPr>
-          <p:cNvPr id="11" name="Rectangle 10">
+          <p:cNvPr id="9" name="Rectangle 8">
             <a:extLst>
               <a:ext uri="{FF2B5EF4-FFF2-40B4-BE49-F238E27FC236}">
-                <a16:creationId xmlns:a16="http://schemas.microsoft.com/office/drawing/2014/main" id="{D89050A1-6DE9-4216-9AD5-AAFC94524D9E}"/>
+                <a16:creationId xmlns:a16="http://schemas.microsoft.com/office/drawing/2014/main" id="{8AFED38D-1F33-4899-9B4D-27A5D577FB31}"/>
               </a:ext>
             </a:extLst>
           </p:cNvPr>
@@ -11389,8 +11456,8 @@
         </p:nvSpPr>
         <p:spPr>
           <a:xfrm>
-            <a:off x="4054971" y="4390897"/>
-            <a:ext cx="1556235" cy="652737"/>
+            <a:off x="4763598" y="4396238"/>
+            <a:ext cx="1865577" cy="652737"/>
           </a:xfrm>
           <a:prstGeom prst="rect">
             <a:avLst/>
@@ -11401,6 +11468,9 @@
               <a:fillRect/>
             </a:stretch>
           </a:blipFill>
+          <a:ln>
+            <a:noFill/>
+          </a:ln>
         </p:spPr>
         <p:style>
           <a:lnRef idx="1">
@@ -11427,10 +11497,10 @@
       </p:sp>
       <p:sp>
         <p:nvSpPr>
-          <p:cNvPr id="12" name="Rectangle 11">
+          <p:cNvPr id="13" name="Rectangle 12">
             <a:extLst>
               <a:ext uri="{FF2B5EF4-FFF2-40B4-BE49-F238E27FC236}">
-                <a16:creationId xmlns:a16="http://schemas.microsoft.com/office/drawing/2014/main" id="{4969F364-13E5-4531-9C69-E9A943E680EE}"/>
+                <a16:creationId xmlns:a16="http://schemas.microsoft.com/office/drawing/2014/main" id="{80D243F2-0CC3-4F40-B500-71389D5DA84A}"/>
               </a:ext>
             </a:extLst>
           </p:cNvPr>
@@ -11439,8 +11509,8 @@
         </p:nvSpPr>
         <p:spPr>
           <a:xfrm>
-            <a:off x="116131" y="4337794"/>
-            <a:ext cx="1994024" cy="685860"/>
+            <a:off x="139182" y="4396238"/>
+            <a:ext cx="2552857" cy="627415"/>
           </a:xfrm>
           <a:prstGeom prst="rect">
             <a:avLst/>
@@ -11451,6 +11521,9 @@
               <a:fillRect/>
             </a:stretch>
           </a:blipFill>
+          <a:ln>
+            <a:noFill/>
+          </a:ln>
         </p:spPr>
         <p:style>
           <a:lnRef idx="1">
